--- a/KELOMPOK 2.pptx
+++ b/KELOMPOK 2.pptx
@@ -21,27 +21,26 @@
     <p:sldId id="266" r:id="rId17"/>
     <p:sldId id="267" r:id="rId18"/>
     <p:sldId id="268" r:id="rId19"/>
-    <p:sldId id="269" r:id="rId20"/>
   </p:sldIdLst>
   <p:sldSz cy="6858000" cx="9144000"/>
   <p:notesSz cx="6858000" cy="9144000"/>
   <p:embeddedFontLst>
     <p:embeddedFont>
       <p:font typeface="Montserrat"/>
-      <p:regular r:id="rId21"/>
-      <p:bold r:id="rId22"/>
-      <p:italic r:id="rId23"/>
-      <p:boldItalic r:id="rId24"/>
+      <p:regular r:id="rId20"/>
+      <p:bold r:id="rId21"/>
+      <p:italic r:id="rId22"/>
+      <p:boldItalic r:id="rId23"/>
     </p:embeddedFont>
     <p:embeddedFont>
       <p:font typeface="Montserrat Black"/>
-      <p:bold r:id="rId25"/>
-      <p:boldItalic r:id="rId26"/>
+      <p:bold r:id="rId24"/>
+      <p:boldItalic r:id="rId25"/>
     </p:embeddedFont>
     <p:embeddedFont>
       <p:font typeface="Montserrat ExtraBold"/>
-      <p:bold r:id="rId27"/>
-      <p:boldItalic r:id="rId28"/>
+      <p:bold r:id="rId26"/>
+      <p:boldItalic r:id="rId27"/>
     </p:embeddedFont>
   </p:embeddedFontLst>
   <p:defaultTextStyle>
@@ -822,7 +821,7 @@
   <p:cSld>
     <p:spTree>
       <p:nvGrpSpPr>
-        <p:cNvPr id="140" name="Shape 140"/>
+        <p:cNvPr id="141" name="Shape 141"/>
         <p:cNvGrpSpPr/>
         <p:nvPr/>
       </p:nvGrpSpPr>
@@ -836,7 +835,7 @@
       </p:grpSpPr>
       <p:sp>
         <p:nvSpPr>
-          <p:cNvPr id="141" name="Google Shape;141;p5:notes"/>
+          <p:cNvPr id="142" name="Google Shape;142;p6:notes"/>
           <p:cNvSpPr txBox="1"/>
           <p:nvPr>
             <p:ph idx="1" type="body"/>
@@ -875,7 +874,7 @@
       </p:sp>
       <p:sp>
         <p:nvSpPr>
-          <p:cNvPr id="142" name="Google Shape;142;p5:notes"/>
+          <p:cNvPr id="143" name="Google Shape;143;p6:notes"/>
           <p:cNvSpPr/>
           <p:nvPr>
             <p:ph idx="2" type="sldImg"/>
@@ -935,106 +934,7 @@
       </p:grpSpPr>
       <p:sp>
         <p:nvSpPr>
-          <p:cNvPr id="148" name="Google Shape;148;p6:notes"/>
-          <p:cNvSpPr txBox="1"/>
-          <p:nvPr>
-            <p:ph idx="1" type="body"/>
-          </p:nvPr>
-        </p:nvSpPr>
-        <p:spPr>
-          <a:xfrm>
-            <a:off x="685800" y="4343400"/>
-            <a:ext cx="5486400" cy="4114800"/>
-          </a:xfrm>
-          <a:prstGeom prst="rect">
-            <a:avLst/>
-          </a:prstGeom>
-        </p:spPr>
-        <p:txBody>
-          <a:bodyPr anchorCtr="0" anchor="t" bIns="91425" lIns="91425" spcFirstLastPara="1" rIns="91425" wrap="square" tIns="91425">
-            <a:noAutofit/>
-          </a:bodyPr>
-          <a:lstStyle/>
-          <a:p>
-            <a:pPr indent="0" lvl="0" marL="0" rtl="0" algn="l">
-              <a:spcBef>
-                <a:spcPts val="0"/>
-              </a:spcBef>
-              <a:spcAft>
-                <a:spcPts val="0"/>
-              </a:spcAft>
-              <a:buNone/>
-            </a:pPr>
-            <a:r>
-              <a:t/>
-            </a:r>
-            <a:endParaRPr/>
-          </a:p>
-        </p:txBody>
-      </p:sp>
-      <p:sp>
-        <p:nvSpPr>
-          <p:cNvPr id="149" name="Google Shape;149;p6:notes"/>
-          <p:cNvSpPr/>
-          <p:nvPr>
-            <p:ph idx="2" type="sldImg"/>
-          </p:nvPr>
-        </p:nvSpPr>
-        <p:spPr>
-          <a:xfrm>
-            <a:off x="1143225" y="685800"/>
-            <a:ext cx="4572225" cy="3429000"/>
-          </a:xfrm>
-          <a:custGeom>
-            <a:rect b="b" l="l" r="r" t="t"/>
-            <a:pathLst>
-              <a:path extrusionOk="0" h="120000" w="120000">
-                <a:moveTo>
-                  <a:pt x="0" y="0"/>
-                </a:moveTo>
-                <a:lnTo>
-                  <a:pt x="120000" y="0"/>
-                </a:lnTo>
-                <a:lnTo>
-                  <a:pt x="120000" y="120000"/>
-                </a:lnTo>
-                <a:lnTo>
-                  <a:pt x="0" y="120000"/>
-                </a:lnTo>
-                <a:close/>
-              </a:path>
-            </a:pathLst>
-          </a:custGeom>
-        </p:spPr>
-      </p:sp>
-    </p:spTree>
-  </p:cSld>
-  <p:clrMapOvr>
-    <a:masterClrMapping/>
-  </p:clrMapOvr>
-</p:notes>
-</file>
-
-<file path=ppt/notesSlides/notesSlide12.xml><?xml version="1.0" encoding="utf-8"?>
-<p:notes xmlns:a="http://schemas.openxmlformats.org/drawingml/2006/main" xmlns:r="http://schemas.openxmlformats.org/officeDocument/2006/relationships" xmlns:mc="http://schemas.openxmlformats.org/markup-compatibility/2006" xmlns:mv="urn:schemas-microsoft-com:mac:vml" xmlns:p="http://schemas.openxmlformats.org/presentationml/2006/main" xmlns:c="http://schemas.openxmlformats.org/drawingml/2006/chart" xmlns:dgm="http://schemas.openxmlformats.org/drawingml/2006/diagram" xmlns:o="urn:schemas-microsoft-com:office:office" xmlns:v="urn:schemas-microsoft-com:vml" xmlns:pvml="urn:schemas-microsoft-com:office:powerpoint" xmlns:com="http://schemas.openxmlformats.org/drawingml/2006/compatibility" xmlns:p14="http://schemas.microsoft.com/office/powerpoint/2010/main" xmlns:p15="http://schemas.microsoft.com/office/powerpoint/2012/main" showMasterPhAnim="0" showMasterSp="0">
-  <p:cSld>
-    <p:spTree>
-      <p:nvGrpSpPr>
-        <p:cNvPr id="153" name="Shape 153"/>
-        <p:cNvGrpSpPr/>
-        <p:nvPr/>
-      </p:nvGrpSpPr>
-      <p:grpSpPr>
-        <a:xfrm>
-          <a:off x="0" y="0"/>
-          <a:ext cx="0" cy="0"/>
-          <a:chOff x="0" y="0"/>
-          <a:chExt cx="0" cy="0"/>
-        </a:xfrm>
-      </p:grpSpPr>
-      <p:sp>
-        <p:nvSpPr>
-          <p:cNvPr id="154" name="Google Shape;154;g60d0be470b_0_0:notes"/>
+          <p:cNvPr id="148" name="Google Shape;148;g60d0be470b_0_0:notes"/>
           <p:cNvSpPr/>
           <p:nvPr>
             <p:ph idx="2" type="sldImg"/>
@@ -1069,7 +969,7 @@
       </p:sp>
       <p:sp>
         <p:nvSpPr>
-          <p:cNvPr id="155" name="Google Shape;155;g60d0be470b_0_0:notes"/>
+          <p:cNvPr id="149" name="Google Shape;149;g60d0be470b_0_0:notes"/>
           <p:cNvSpPr txBox="1"/>
           <p:nvPr>
             <p:ph idx="1" type="body"/>
@@ -1114,12 +1014,12 @@
 </p:notes>
 </file>
 
-<file path=ppt/notesSlides/notesSlide13.xml><?xml version="1.0" encoding="utf-8"?>
+<file path=ppt/notesSlides/notesSlide12.xml><?xml version="1.0" encoding="utf-8"?>
 <p:notes xmlns:a="http://schemas.openxmlformats.org/drawingml/2006/main" xmlns:r="http://schemas.openxmlformats.org/officeDocument/2006/relationships" xmlns:mc="http://schemas.openxmlformats.org/markup-compatibility/2006" xmlns:mv="urn:schemas-microsoft-com:mac:vml" xmlns:p="http://schemas.openxmlformats.org/presentationml/2006/main" xmlns:c="http://schemas.openxmlformats.org/drawingml/2006/chart" xmlns:dgm="http://schemas.openxmlformats.org/drawingml/2006/diagram" xmlns:o="urn:schemas-microsoft-com:office:office" xmlns:v="urn:schemas-microsoft-com:vml" xmlns:pvml="urn:schemas-microsoft-com:office:powerpoint" xmlns:com="http://schemas.openxmlformats.org/drawingml/2006/compatibility" xmlns:p14="http://schemas.microsoft.com/office/powerpoint/2010/main" xmlns:p15="http://schemas.microsoft.com/office/powerpoint/2012/main" showMasterPhAnim="0" showMasterSp="0">
   <p:cSld>
     <p:spTree>
       <p:nvGrpSpPr>
-        <p:cNvPr id="159" name="Shape 159"/>
+        <p:cNvPr id="153" name="Shape 153"/>
         <p:cNvGrpSpPr/>
         <p:nvPr/>
       </p:nvGrpSpPr>
@@ -1133,7 +1033,7 @@
       </p:grpSpPr>
       <p:sp>
         <p:nvSpPr>
-          <p:cNvPr id="160" name="Google Shape;160;g60d0be470b_0_15:notes"/>
+          <p:cNvPr id="154" name="Google Shape;154;g60d0be470b_0_15:notes"/>
           <p:cNvSpPr/>
           <p:nvPr>
             <p:ph idx="2" type="sldImg"/>
@@ -1168,7 +1068,7 @@
       </p:sp>
       <p:sp>
         <p:nvSpPr>
-          <p:cNvPr id="161" name="Google Shape;161;g60d0be470b_0_15:notes"/>
+          <p:cNvPr id="155" name="Google Shape;155;g60d0be470b_0_15:notes"/>
           <p:cNvSpPr txBox="1"/>
           <p:nvPr>
             <p:ph idx="1" type="body"/>
@@ -1213,12 +1113,12 @@
 </p:notes>
 </file>
 
-<file path=ppt/notesSlides/notesSlide14.xml><?xml version="1.0" encoding="utf-8"?>
+<file path=ppt/notesSlides/notesSlide13.xml><?xml version="1.0" encoding="utf-8"?>
 <p:notes xmlns:a="http://schemas.openxmlformats.org/drawingml/2006/main" xmlns:r="http://schemas.openxmlformats.org/officeDocument/2006/relationships" xmlns:mc="http://schemas.openxmlformats.org/markup-compatibility/2006" xmlns:mv="urn:schemas-microsoft-com:mac:vml" xmlns:p="http://schemas.openxmlformats.org/presentationml/2006/main" xmlns:c="http://schemas.openxmlformats.org/drawingml/2006/chart" xmlns:dgm="http://schemas.openxmlformats.org/drawingml/2006/diagram" xmlns:o="urn:schemas-microsoft-com:office:office" xmlns:v="urn:schemas-microsoft-com:vml" xmlns:pvml="urn:schemas-microsoft-com:office:powerpoint" xmlns:com="http://schemas.openxmlformats.org/drawingml/2006/compatibility" xmlns:p14="http://schemas.microsoft.com/office/powerpoint/2010/main" xmlns:p15="http://schemas.microsoft.com/office/powerpoint/2012/main" showMasterPhAnim="0" showMasterSp="0">
   <p:cSld>
     <p:spTree>
       <p:nvGrpSpPr>
-        <p:cNvPr id="164" name="Shape 164"/>
+        <p:cNvPr id="158" name="Shape 158"/>
         <p:cNvGrpSpPr/>
         <p:nvPr/>
       </p:nvGrpSpPr>
@@ -1232,7 +1132,7 @@
       </p:grpSpPr>
       <p:sp>
         <p:nvSpPr>
-          <p:cNvPr id="165" name="Google Shape;165;g60d0be470b_5_0:notes"/>
+          <p:cNvPr id="159" name="Google Shape;159;g60d0be470b_5_0:notes"/>
           <p:cNvSpPr/>
           <p:nvPr>
             <p:ph idx="2" type="sldImg"/>
@@ -1267,7 +1167,7 @@
       </p:sp>
       <p:sp>
         <p:nvSpPr>
-          <p:cNvPr id="166" name="Google Shape;166;g60d0be470b_5_0:notes"/>
+          <p:cNvPr id="160" name="Google Shape;160;g60d0be470b_5_0:notes"/>
           <p:cNvSpPr txBox="1"/>
           <p:nvPr>
             <p:ph idx="1" type="body"/>
@@ -1727,7 +1627,46 @@
       </p:grpSpPr>
       <p:sp>
         <p:nvSpPr>
-          <p:cNvPr id="115" name="Google Shape;115;g60d0be470b_1_25:notes"/>
+          <p:cNvPr id="115" name="Google Shape;115;p2:notes"/>
+          <p:cNvSpPr txBox="1"/>
+          <p:nvPr>
+            <p:ph idx="1" type="body"/>
+          </p:nvPr>
+        </p:nvSpPr>
+        <p:spPr>
+          <a:xfrm>
+            <a:off x="685800" y="4343400"/>
+            <a:ext cx="5486400" cy="4114800"/>
+          </a:xfrm>
+          <a:prstGeom prst="rect">
+            <a:avLst/>
+          </a:prstGeom>
+        </p:spPr>
+        <p:txBody>
+          <a:bodyPr anchorCtr="0" anchor="t" bIns="91425" lIns="91425" spcFirstLastPara="1" rIns="91425" wrap="square" tIns="91425">
+            <a:noAutofit/>
+          </a:bodyPr>
+          <a:lstStyle/>
+          <a:p>
+            <a:pPr indent="0" lvl="0" marL="0" rtl="0" algn="l">
+              <a:spcBef>
+                <a:spcPts val="0"/>
+              </a:spcBef>
+              <a:spcAft>
+                <a:spcPts val="0"/>
+              </a:spcAft>
+              <a:buNone/>
+            </a:pPr>
+            <a:r>
+              <a:t/>
+            </a:r>
+            <a:endParaRPr/>
+          </a:p>
+        </p:txBody>
+      </p:sp>
+      <p:sp>
+        <p:nvSpPr>
+          <p:cNvPr id="116" name="Google Shape;116;p2:notes"/>
           <p:cNvSpPr/>
           <p:nvPr>
             <p:ph idx="2" type="sldImg"/>
@@ -1736,7 +1675,7 @@
         <p:spPr>
           <a:xfrm>
             <a:off x="1143225" y="685800"/>
-            <a:ext cx="4572300" cy="3429000"/>
+            <a:ext cx="4572225" cy="3429000"/>
           </a:xfrm>
           <a:custGeom>
             <a:rect b="b" l="l" r="r" t="t"/>
@@ -1760,9 +1699,34 @@
           </a:custGeom>
         </p:spPr>
       </p:sp>
+    </p:spTree>
+  </p:cSld>
+  <p:clrMapOvr>
+    <a:masterClrMapping/>
+  </p:clrMapOvr>
+</p:notes>
+</file>
+
+<file path=ppt/notesSlides/notesSlide7.xml><?xml version="1.0" encoding="utf-8"?>
+<p:notes xmlns:a="http://schemas.openxmlformats.org/drawingml/2006/main" xmlns:r="http://schemas.openxmlformats.org/officeDocument/2006/relationships" xmlns:mc="http://schemas.openxmlformats.org/markup-compatibility/2006" xmlns:mv="urn:schemas-microsoft-com:mac:vml" xmlns:p="http://schemas.openxmlformats.org/presentationml/2006/main" xmlns:c="http://schemas.openxmlformats.org/drawingml/2006/chart" xmlns:dgm="http://schemas.openxmlformats.org/drawingml/2006/diagram" xmlns:o="urn:schemas-microsoft-com:office:office" xmlns:v="urn:schemas-microsoft-com:vml" xmlns:pvml="urn:schemas-microsoft-com:office:powerpoint" xmlns:com="http://schemas.openxmlformats.org/drawingml/2006/compatibility" xmlns:p14="http://schemas.microsoft.com/office/powerpoint/2010/main" xmlns:p15="http://schemas.microsoft.com/office/powerpoint/2012/main" showMasterPhAnim="0" showMasterSp="0">
+  <p:cSld>
+    <p:spTree>
+      <p:nvGrpSpPr>
+        <p:cNvPr id="121" name="Shape 121"/>
+        <p:cNvGrpSpPr/>
+        <p:nvPr/>
+      </p:nvGrpSpPr>
+      <p:grpSpPr>
+        <a:xfrm>
+          <a:off x="0" y="0"/>
+          <a:ext cx="0" cy="0"/>
+          <a:chOff x="0" y="0"/>
+          <a:chExt cx="0" cy="0"/>
+        </a:xfrm>
+      </p:grpSpPr>
       <p:sp>
         <p:nvSpPr>
-          <p:cNvPr id="116" name="Google Shape;116;g60d0be470b_1_25:notes"/>
+          <p:cNvPr id="122" name="Google Shape;122;p3:notes"/>
           <p:cNvSpPr txBox="1"/>
           <p:nvPr>
             <p:ph idx="1" type="body"/>
@@ -1799,73 +1763,9 @@
           </a:p>
         </p:txBody>
       </p:sp>
-    </p:spTree>
-  </p:cSld>
-  <p:clrMapOvr>
-    <a:masterClrMapping/>
-  </p:clrMapOvr>
-</p:notes>
-</file>
-
-<file path=ppt/notesSlides/notesSlide7.xml><?xml version="1.0" encoding="utf-8"?>
-<p:notes xmlns:a="http://schemas.openxmlformats.org/drawingml/2006/main" xmlns:r="http://schemas.openxmlformats.org/officeDocument/2006/relationships" xmlns:mc="http://schemas.openxmlformats.org/markup-compatibility/2006" xmlns:mv="urn:schemas-microsoft-com:mac:vml" xmlns:p="http://schemas.openxmlformats.org/presentationml/2006/main" xmlns:c="http://schemas.openxmlformats.org/drawingml/2006/chart" xmlns:dgm="http://schemas.openxmlformats.org/drawingml/2006/diagram" xmlns:o="urn:schemas-microsoft-com:office:office" xmlns:v="urn:schemas-microsoft-com:vml" xmlns:pvml="urn:schemas-microsoft-com:office:powerpoint" xmlns:com="http://schemas.openxmlformats.org/drawingml/2006/compatibility" xmlns:p14="http://schemas.microsoft.com/office/powerpoint/2010/main" xmlns:p15="http://schemas.microsoft.com/office/powerpoint/2012/main" showMasterPhAnim="0" showMasterSp="0">
-  <p:cSld>
-    <p:spTree>
-      <p:nvGrpSpPr>
-        <p:cNvPr id="120" name="Shape 120"/>
-        <p:cNvGrpSpPr/>
-        <p:nvPr/>
-      </p:nvGrpSpPr>
-      <p:grpSpPr>
-        <a:xfrm>
-          <a:off x="0" y="0"/>
-          <a:ext cx="0" cy="0"/>
-          <a:chOff x="0" y="0"/>
-          <a:chExt cx="0" cy="0"/>
-        </a:xfrm>
-      </p:grpSpPr>
       <p:sp>
         <p:nvSpPr>
-          <p:cNvPr id="121" name="Google Shape;121;p2:notes"/>
-          <p:cNvSpPr txBox="1"/>
-          <p:nvPr>
-            <p:ph idx="1" type="body"/>
-          </p:nvPr>
-        </p:nvSpPr>
-        <p:spPr>
-          <a:xfrm>
-            <a:off x="685800" y="4343400"/>
-            <a:ext cx="5486400" cy="4114800"/>
-          </a:xfrm>
-          <a:prstGeom prst="rect">
-            <a:avLst/>
-          </a:prstGeom>
-        </p:spPr>
-        <p:txBody>
-          <a:bodyPr anchorCtr="0" anchor="t" bIns="91425" lIns="91425" spcFirstLastPara="1" rIns="91425" wrap="square" tIns="91425">
-            <a:noAutofit/>
-          </a:bodyPr>
-          <a:lstStyle/>
-          <a:p>
-            <a:pPr indent="0" lvl="0" marL="0" rtl="0" algn="l">
-              <a:spcBef>
-                <a:spcPts val="0"/>
-              </a:spcBef>
-              <a:spcAft>
-                <a:spcPts val="0"/>
-              </a:spcAft>
-              <a:buNone/>
-            </a:pPr>
-            <a:r>
-              <a:t/>
-            </a:r>
-            <a:endParaRPr/>
-          </a:p>
-        </p:txBody>
-      </p:sp>
-      <p:sp>
-        <p:nvSpPr>
-          <p:cNvPr id="122" name="Google Shape;122;p2:notes"/>
+          <p:cNvPr id="123" name="Google Shape;123;p3:notes"/>
           <p:cNvSpPr/>
           <p:nvPr>
             <p:ph idx="2" type="sldImg"/>
@@ -1925,7 +1825,7 @@
       </p:grpSpPr>
       <p:sp>
         <p:nvSpPr>
-          <p:cNvPr id="128" name="Google Shape;128;p3:notes"/>
+          <p:cNvPr id="128" name="Google Shape;128;p4:notes"/>
           <p:cNvSpPr txBox="1"/>
           <p:nvPr>
             <p:ph idx="1" type="body"/>
@@ -1964,7 +1864,7 @@
       </p:sp>
       <p:sp>
         <p:nvSpPr>
-          <p:cNvPr id="129" name="Google Shape;129;p3:notes"/>
+          <p:cNvPr id="129" name="Google Shape;129;p4:notes"/>
           <p:cNvSpPr/>
           <p:nvPr>
             <p:ph idx="2" type="sldImg"/>
@@ -2010,7 +1910,7 @@
   <p:cSld>
     <p:spTree>
       <p:nvGrpSpPr>
-        <p:cNvPr id="133" name="Shape 133"/>
+        <p:cNvPr id="134" name="Shape 134"/>
         <p:cNvGrpSpPr/>
         <p:nvPr/>
       </p:nvGrpSpPr>
@@ -2024,7 +1924,7 @@
       </p:grpSpPr>
       <p:sp>
         <p:nvSpPr>
-          <p:cNvPr id="134" name="Google Shape;134;p4:notes"/>
+          <p:cNvPr id="135" name="Google Shape;135;p5:notes"/>
           <p:cNvSpPr txBox="1"/>
           <p:nvPr>
             <p:ph idx="1" type="body"/>
@@ -2063,7 +1963,7 @@
       </p:sp>
       <p:sp>
         <p:nvSpPr>
-          <p:cNvPr id="135" name="Google Shape;135;p4:notes"/>
+          <p:cNvPr id="136" name="Google Shape;136;p5:notes"/>
           <p:cNvSpPr/>
           <p:nvPr>
             <p:ph idx="2" type="sldImg"/>
@@ -12090,7 +11990,7 @@
   <p:cSld>
     <p:spTree>
       <p:nvGrpSpPr>
-        <p:cNvPr id="143" name="Shape 143"/>
+        <p:cNvPr id="144" name="Shape 144"/>
         <p:cNvGrpSpPr/>
         <p:nvPr/>
       </p:nvGrpSpPr>
@@ -12104,7 +12004,7 @@
       </p:grpSpPr>
       <p:sp>
         <p:nvSpPr>
-          <p:cNvPr id="144" name="Google Shape;144;p22"/>
+          <p:cNvPr id="145" name="Google Shape;145;p22"/>
           <p:cNvSpPr txBox="1"/>
           <p:nvPr>
             <p:ph type="title"/>
@@ -12150,172 +12050,6 @@
                 <a:cs typeface="Montserrat Black"/>
                 <a:sym typeface="Montserrat Black"/>
               </a:rPr>
-              <a:t>Model</a:t>
-            </a:r>
-            <a:endParaRPr>
-              <a:latin typeface="Montserrat Black"/>
-              <a:ea typeface="Montserrat Black"/>
-              <a:cs typeface="Montserrat Black"/>
-              <a:sym typeface="Montserrat Black"/>
-            </a:endParaRPr>
-          </a:p>
-        </p:txBody>
-      </p:sp>
-      <p:sp>
-        <p:nvSpPr>
-          <p:cNvPr id="145" name="Google Shape;145;p22"/>
-          <p:cNvSpPr txBox="1"/>
-          <p:nvPr>
-            <p:ph idx="1" type="body"/>
-          </p:nvPr>
-        </p:nvSpPr>
-        <p:spPr>
-          <a:xfrm>
-            <a:off x="457200" y="1600200"/>
-            <a:ext cx="8229600" cy="4525963"/>
-          </a:xfrm>
-          <a:prstGeom prst="rect">
-            <a:avLst/>
-          </a:prstGeom>
-          <a:noFill/>
-          <a:ln>
-            <a:noFill/>
-          </a:ln>
-        </p:spPr>
-        <p:txBody>
-          <a:bodyPr anchorCtr="0" anchor="t" bIns="45700" lIns="91425" spcFirstLastPara="1" rIns="91425" wrap="square" tIns="45700">
-            <a:noAutofit/>
-          </a:bodyPr>
-          <a:lstStyle/>
-          <a:p>
-            <a:pPr indent="0" lvl="0" marL="342900" rtl="0" algn="l">
-              <a:spcBef>
-                <a:spcPts val="0"/>
-              </a:spcBef>
-              <a:spcAft>
-                <a:spcPts val="0"/>
-              </a:spcAft>
-              <a:buNone/>
-            </a:pPr>
-            <a:r>
-              <a:rPr lang="en-US" sz="2400">
-                <a:latin typeface="Montserrat"/>
-                <a:ea typeface="Montserrat"/>
-                <a:cs typeface="Montserrat"/>
-                <a:sym typeface="Montserrat"/>
-              </a:rPr>
-              <a:t>Unsupervised 🡪 Clustering Customer</a:t>
-            </a:r>
-            <a:endParaRPr sz="2400">
-              <a:latin typeface="Montserrat"/>
-              <a:ea typeface="Montserrat"/>
-              <a:cs typeface="Montserrat"/>
-              <a:sym typeface="Montserrat"/>
-            </a:endParaRPr>
-          </a:p>
-        </p:txBody>
-      </p:sp>
-      <p:pic>
-        <p:nvPicPr>
-          <p:cNvPr id="146" name="Google Shape;146;p22"/>
-          <p:cNvPicPr preferRelativeResize="0"/>
-          <p:nvPr/>
-        </p:nvPicPr>
-        <p:blipFill>
-          <a:blip r:embed="rId3">
-            <a:alphaModFix/>
-          </a:blip>
-          <a:stretch>
-            <a:fillRect/>
-          </a:stretch>
-        </p:blipFill>
-        <p:spPr>
-          <a:xfrm>
-            <a:off x="1539363" y="2227150"/>
-            <a:ext cx="6065265" cy="4525975"/>
-          </a:xfrm>
-          <a:prstGeom prst="rect">
-            <a:avLst/>
-          </a:prstGeom>
-          <a:noFill/>
-          <a:ln>
-            <a:noFill/>
-          </a:ln>
-        </p:spPr>
-      </p:pic>
-    </p:spTree>
-  </p:cSld>
-  <p:clrMapOvr>
-    <a:masterClrMapping/>
-  </p:clrMapOvr>
-</p:sld>
-</file>
-
-<file path=ppt/slides/slide11.xml><?xml version="1.0" encoding="utf-8"?>
-<p:sld xmlns:a="http://schemas.openxmlformats.org/drawingml/2006/main" xmlns:r="http://schemas.openxmlformats.org/officeDocument/2006/relationships" xmlns:mc="http://schemas.openxmlformats.org/markup-compatibility/2006" xmlns:mv="urn:schemas-microsoft-com:mac:vml" xmlns:p="http://schemas.openxmlformats.org/presentationml/2006/main" xmlns:c="http://schemas.openxmlformats.org/drawingml/2006/chart" xmlns:dgm="http://schemas.openxmlformats.org/drawingml/2006/diagram" xmlns:o="urn:schemas-microsoft-com:office:office" xmlns:v="urn:schemas-microsoft-com:vml" xmlns:pvml="urn:schemas-microsoft-com:office:powerpoint" xmlns:com="http://schemas.openxmlformats.org/drawingml/2006/compatibility" xmlns:p14="http://schemas.microsoft.com/office/powerpoint/2010/main" xmlns:p15="http://schemas.microsoft.com/office/powerpoint/2012/main">
-  <p:cSld>
-    <p:spTree>
-      <p:nvGrpSpPr>
-        <p:cNvPr id="150" name="Shape 150"/>
-        <p:cNvGrpSpPr/>
-        <p:nvPr/>
-      </p:nvGrpSpPr>
-      <p:grpSpPr>
-        <a:xfrm>
-          <a:off x="0" y="0"/>
-          <a:ext cx="0" cy="0"/>
-          <a:chOff x="0" y="0"/>
-          <a:chExt cx="0" cy="0"/>
-        </a:xfrm>
-      </p:grpSpPr>
-      <p:sp>
-        <p:nvSpPr>
-          <p:cNvPr id="151" name="Google Shape;151;p23"/>
-          <p:cNvSpPr txBox="1"/>
-          <p:nvPr>
-            <p:ph type="title"/>
-          </p:nvPr>
-        </p:nvSpPr>
-        <p:spPr>
-          <a:xfrm>
-            <a:off x="457200" y="274638"/>
-            <a:ext cx="8229600" cy="1143000"/>
-          </a:xfrm>
-          <a:prstGeom prst="rect">
-            <a:avLst/>
-          </a:prstGeom>
-          <a:noFill/>
-          <a:ln>
-            <a:noFill/>
-          </a:ln>
-        </p:spPr>
-        <p:txBody>
-          <a:bodyPr anchorCtr="0" anchor="ctr" bIns="45700" lIns="91425" spcFirstLastPara="1" rIns="91425" wrap="square" tIns="45700">
-            <a:noAutofit/>
-          </a:bodyPr>
-          <a:lstStyle/>
-          <a:p>
-            <a:pPr indent="0" lvl="0" marL="0" rtl="0" algn="ctr">
-              <a:spcBef>
-                <a:spcPts val="0"/>
-              </a:spcBef>
-              <a:spcAft>
-                <a:spcPts val="0"/>
-              </a:spcAft>
-              <a:buClr>
-                <a:schemeClr val="dk1"/>
-              </a:buClr>
-              <a:buSzPts val="4400"/>
-              <a:buFont typeface="Calibri"/>
-              <a:buNone/>
-            </a:pPr>
-            <a:r>
-              <a:rPr lang="en-US">
-                <a:latin typeface="Montserrat Black"/>
-                <a:ea typeface="Montserrat Black"/>
-                <a:cs typeface="Montserrat Black"/>
-                <a:sym typeface="Montserrat Black"/>
-              </a:rPr>
               <a:t>Evaluasi</a:t>
             </a:r>
             <a:endParaRPr>
@@ -12329,7 +12063,7 @@
       </p:sp>
       <p:sp>
         <p:nvSpPr>
-          <p:cNvPr id="152" name="Google Shape;152;p23"/>
+          <p:cNvPr id="146" name="Google Shape;146;p22"/>
           <p:cNvSpPr txBox="1"/>
           <p:nvPr>
             <p:ph idx="4294967295" type="body"/>
@@ -12514,6 +12248,118 @@
               <a:ea typeface="Montserrat"/>
               <a:cs typeface="Montserrat"/>
               <a:sym typeface="Montserrat"/>
+            </a:endParaRPr>
+          </a:p>
+        </p:txBody>
+      </p:sp>
+    </p:spTree>
+  </p:cSld>
+  <p:clrMapOvr>
+    <a:masterClrMapping/>
+  </p:clrMapOvr>
+</p:sld>
+</file>
+
+<file path=ppt/slides/slide11.xml><?xml version="1.0" encoding="utf-8"?>
+<p:sld xmlns:a="http://schemas.openxmlformats.org/drawingml/2006/main" xmlns:r="http://schemas.openxmlformats.org/officeDocument/2006/relationships" xmlns:mc="http://schemas.openxmlformats.org/markup-compatibility/2006" xmlns:mv="urn:schemas-microsoft-com:mac:vml" xmlns:p="http://schemas.openxmlformats.org/presentationml/2006/main" xmlns:c="http://schemas.openxmlformats.org/drawingml/2006/chart" xmlns:dgm="http://schemas.openxmlformats.org/drawingml/2006/diagram" xmlns:o="urn:schemas-microsoft-com:office:office" xmlns:v="urn:schemas-microsoft-com:vml" xmlns:pvml="urn:schemas-microsoft-com:office:powerpoint" xmlns:com="http://schemas.openxmlformats.org/drawingml/2006/compatibility" xmlns:p14="http://schemas.microsoft.com/office/powerpoint/2010/main" xmlns:p15="http://schemas.microsoft.com/office/powerpoint/2012/main">
+  <p:cSld>
+    <p:spTree>
+      <p:nvGrpSpPr>
+        <p:cNvPr id="150" name="Shape 150"/>
+        <p:cNvGrpSpPr/>
+        <p:nvPr/>
+      </p:nvGrpSpPr>
+      <p:grpSpPr>
+        <a:xfrm>
+          <a:off x="0" y="0"/>
+          <a:ext cx="0" cy="0"/>
+          <a:chOff x="0" y="0"/>
+          <a:chExt cx="0" cy="0"/>
+        </a:xfrm>
+      </p:grpSpPr>
+      <p:pic>
+        <p:nvPicPr>
+          <p:cNvPr id="151" name="Google Shape;151;p23"/>
+          <p:cNvPicPr preferRelativeResize="0"/>
+          <p:nvPr/>
+        </p:nvPicPr>
+        <p:blipFill>
+          <a:blip r:embed="rId3">
+            <a:alphaModFix/>
+          </a:blip>
+          <a:stretch>
+            <a:fillRect/>
+          </a:stretch>
+        </p:blipFill>
+        <p:spPr>
+          <a:xfrm>
+            <a:off x="735672" y="1408072"/>
+            <a:ext cx="7672650" cy="5449925"/>
+          </a:xfrm>
+          <a:prstGeom prst="rect">
+            <a:avLst/>
+          </a:prstGeom>
+          <a:noFill/>
+          <a:ln>
+            <a:noFill/>
+          </a:ln>
+        </p:spPr>
+      </p:pic>
+      <p:sp>
+        <p:nvSpPr>
+          <p:cNvPr id="152" name="Google Shape;152;p23"/>
+          <p:cNvSpPr txBox="1"/>
+          <p:nvPr>
+            <p:ph type="title"/>
+          </p:nvPr>
+        </p:nvSpPr>
+        <p:spPr>
+          <a:xfrm>
+            <a:off x="457200" y="274638"/>
+            <a:ext cx="8229600" cy="1143000"/>
+          </a:xfrm>
+          <a:prstGeom prst="rect">
+            <a:avLst/>
+          </a:prstGeom>
+          <a:noFill/>
+          <a:ln>
+            <a:noFill/>
+          </a:ln>
+        </p:spPr>
+        <p:txBody>
+          <a:bodyPr anchorCtr="0" anchor="ctr" bIns="45700" lIns="91425" spcFirstLastPara="1" rIns="91425" wrap="square" tIns="45700">
+            <a:noAutofit/>
+          </a:bodyPr>
+          <a:lstStyle/>
+          <a:p>
+            <a:pPr indent="0" lvl="0" marL="0" rtl="0" algn="ctr">
+              <a:spcBef>
+                <a:spcPts val="0"/>
+              </a:spcBef>
+              <a:spcAft>
+                <a:spcPts val="0"/>
+              </a:spcAft>
+              <a:buClr>
+                <a:schemeClr val="dk1"/>
+              </a:buClr>
+              <a:buSzPts val="4400"/>
+              <a:buFont typeface="Calibri"/>
+              <a:buNone/>
+            </a:pPr>
+            <a:r>
+              <a:rPr lang="en-US">
+                <a:latin typeface="Montserrat Black"/>
+                <a:ea typeface="Montserrat Black"/>
+                <a:cs typeface="Montserrat Black"/>
+                <a:sym typeface="Montserrat Black"/>
+              </a:rPr>
+              <a:t>Data Presentation</a:t>
+            </a:r>
+            <a:endParaRPr>
+              <a:latin typeface="Montserrat Black"/>
+              <a:ea typeface="Montserrat Black"/>
+              <a:cs typeface="Montserrat Black"/>
+              <a:sym typeface="Montserrat Black"/>
             </a:endParaRPr>
           </a:p>
         </p:txBody>
@@ -12559,118 +12405,6 @@
         </p:blipFill>
         <p:spPr>
           <a:xfrm>
-            <a:off x="735672" y="1408072"/>
-            <a:ext cx="7672650" cy="5449925"/>
-          </a:xfrm>
-          <a:prstGeom prst="rect">
-            <a:avLst/>
-          </a:prstGeom>
-          <a:noFill/>
-          <a:ln>
-            <a:noFill/>
-          </a:ln>
-        </p:spPr>
-      </p:pic>
-      <p:sp>
-        <p:nvSpPr>
-          <p:cNvPr id="158" name="Google Shape;158;p24"/>
-          <p:cNvSpPr txBox="1"/>
-          <p:nvPr>
-            <p:ph type="title"/>
-          </p:nvPr>
-        </p:nvSpPr>
-        <p:spPr>
-          <a:xfrm>
-            <a:off x="457200" y="274638"/>
-            <a:ext cx="8229600" cy="1143000"/>
-          </a:xfrm>
-          <a:prstGeom prst="rect">
-            <a:avLst/>
-          </a:prstGeom>
-          <a:noFill/>
-          <a:ln>
-            <a:noFill/>
-          </a:ln>
-        </p:spPr>
-        <p:txBody>
-          <a:bodyPr anchorCtr="0" anchor="ctr" bIns="45700" lIns="91425" spcFirstLastPara="1" rIns="91425" wrap="square" tIns="45700">
-            <a:noAutofit/>
-          </a:bodyPr>
-          <a:lstStyle/>
-          <a:p>
-            <a:pPr indent="0" lvl="0" marL="0" rtl="0" algn="ctr">
-              <a:spcBef>
-                <a:spcPts val="0"/>
-              </a:spcBef>
-              <a:spcAft>
-                <a:spcPts val="0"/>
-              </a:spcAft>
-              <a:buClr>
-                <a:schemeClr val="dk1"/>
-              </a:buClr>
-              <a:buSzPts val="4400"/>
-              <a:buFont typeface="Calibri"/>
-              <a:buNone/>
-            </a:pPr>
-            <a:r>
-              <a:rPr lang="en-US">
-                <a:latin typeface="Montserrat Black"/>
-                <a:ea typeface="Montserrat Black"/>
-                <a:cs typeface="Montserrat Black"/>
-                <a:sym typeface="Montserrat Black"/>
-              </a:rPr>
-              <a:t>Data Presentation</a:t>
-            </a:r>
-            <a:endParaRPr>
-              <a:latin typeface="Montserrat Black"/>
-              <a:ea typeface="Montserrat Black"/>
-              <a:cs typeface="Montserrat Black"/>
-              <a:sym typeface="Montserrat Black"/>
-            </a:endParaRPr>
-          </a:p>
-        </p:txBody>
-      </p:sp>
-    </p:spTree>
-  </p:cSld>
-  <p:clrMapOvr>
-    <a:masterClrMapping/>
-  </p:clrMapOvr>
-</p:sld>
-</file>
-
-<file path=ppt/slides/slide13.xml><?xml version="1.0" encoding="utf-8"?>
-<p:sld xmlns:a="http://schemas.openxmlformats.org/drawingml/2006/main" xmlns:r="http://schemas.openxmlformats.org/officeDocument/2006/relationships" xmlns:mc="http://schemas.openxmlformats.org/markup-compatibility/2006" xmlns:mv="urn:schemas-microsoft-com:mac:vml" xmlns:p="http://schemas.openxmlformats.org/presentationml/2006/main" xmlns:c="http://schemas.openxmlformats.org/drawingml/2006/chart" xmlns:dgm="http://schemas.openxmlformats.org/drawingml/2006/diagram" xmlns:o="urn:schemas-microsoft-com:office:office" xmlns:v="urn:schemas-microsoft-com:vml" xmlns:pvml="urn:schemas-microsoft-com:office:powerpoint" xmlns:com="http://schemas.openxmlformats.org/drawingml/2006/compatibility" xmlns:p14="http://schemas.microsoft.com/office/powerpoint/2010/main" xmlns:p15="http://schemas.microsoft.com/office/powerpoint/2012/main">
-  <p:cSld>
-    <p:spTree>
-      <p:nvGrpSpPr>
-        <p:cNvPr id="162" name="Shape 162"/>
-        <p:cNvGrpSpPr/>
-        <p:nvPr/>
-      </p:nvGrpSpPr>
-      <p:grpSpPr>
-        <a:xfrm>
-          <a:off x="0" y="0"/>
-          <a:ext cx="0" cy="0"/>
-          <a:chOff x="0" y="0"/>
-          <a:chExt cx="0" cy="0"/>
-        </a:xfrm>
-      </p:grpSpPr>
-      <p:pic>
-        <p:nvPicPr>
-          <p:cNvPr id="163" name="Google Shape;163;p25"/>
-          <p:cNvPicPr preferRelativeResize="0"/>
-          <p:nvPr/>
-        </p:nvPicPr>
-        <p:blipFill>
-          <a:blip r:embed="rId3">
-            <a:alphaModFix/>
-          </a:blip>
-          <a:stretch>
-            <a:fillRect/>
-          </a:stretch>
-        </p:blipFill>
-        <p:spPr>
-          <a:xfrm>
             <a:off x="0" y="1340945"/>
             <a:ext cx="9144000" cy="4785360"/>
           </a:xfrm>
@@ -12691,12 +12425,12 @@
 </p:sld>
 </file>
 
-<file path=ppt/slides/slide14.xml><?xml version="1.0" encoding="utf-8"?>
+<file path=ppt/slides/slide13.xml><?xml version="1.0" encoding="utf-8"?>
 <p:sld xmlns:a="http://schemas.openxmlformats.org/drawingml/2006/main" xmlns:r="http://schemas.openxmlformats.org/officeDocument/2006/relationships" xmlns:mc="http://schemas.openxmlformats.org/markup-compatibility/2006" xmlns:mv="urn:schemas-microsoft-com:mac:vml" xmlns:p="http://schemas.openxmlformats.org/presentationml/2006/main" xmlns:c="http://schemas.openxmlformats.org/drawingml/2006/chart" xmlns:dgm="http://schemas.openxmlformats.org/drawingml/2006/diagram" xmlns:o="urn:schemas-microsoft-com:office:office" xmlns:v="urn:schemas-microsoft-com:vml" xmlns:pvml="urn:schemas-microsoft-com:office:powerpoint" xmlns:com="http://schemas.openxmlformats.org/drawingml/2006/compatibility" xmlns:p14="http://schemas.microsoft.com/office/powerpoint/2010/main" xmlns:p15="http://schemas.microsoft.com/office/powerpoint/2012/main">
   <p:cSld>
     <p:spTree>
       <p:nvGrpSpPr>
-        <p:cNvPr id="167" name="Shape 167"/>
+        <p:cNvPr id="161" name="Shape 161"/>
         <p:cNvGrpSpPr/>
         <p:nvPr/>
       </p:nvGrpSpPr>
@@ -12710,7 +12444,7 @@
       </p:grpSpPr>
       <p:sp>
         <p:nvSpPr>
-          <p:cNvPr id="168" name="Google Shape;168;p26"/>
+          <p:cNvPr id="162" name="Google Shape;162;p25"/>
           <p:cNvSpPr txBox="1"/>
           <p:nvPr>
             <p:ph type="title"/>
@@ -12760,7 +12494,7 @@
       </p:sp>
       <p:sp>
         <p:nvSpPr>
-          <p:cNvPr id="169" name="Google Shape;169;p26"/>
+          <p:cNvPr id="163" name="Google Shape;163;p25"/>
           <p:cNvSpPr txBox="1"/>
           <p:nvPr>
             <p:ph idx="1" type="body"/>
@@ -12799,7 +12533,7 @@
       </p:sp>
       <p:pic>
         <p:nvPicPr>
-          <p:cNvPr id="170" name="Google Shape;170;p26"/>
+          <p:cNvPr id="164" name="Google Shape;164;p25"/>
           <p:cNvPicPr preferRelativeResize="0"/>
           <p:nvPr/>
         </p:nvPicPr>
@@ -13145,19 +12879,22 @@
           </a:bodyPr>
           <a:lstStyle/>
           <a:p>
-            <a:pPr indent="-342900" lvl="0" marL="457200" rtl="0" algn="l">
+            <a:pPr indent="-381000" lvl="0" marL="457200" rtl="0" algn="l">
+              <a:lnSpc>
+                <a:spcPct val="115000"/>
+              </a:lnSpc>
               <a:spcBef>
                 <a:spcPts val="360"/>
               </a:spcBef>
               <a:spcAft>
                 <a:spcPts val="0"/>
               </a:spcAft>
-              <a:buSzPts val="1800"/>
+              <a:buSzPts val="2400"/>
               <a:buFont typeface="Montserrat"/>
               <a:buChar char="•"/>
             </a:pPr>
             <a:r>
-              <a:rPr lang="en-US">
+              <a:rPr lang="en-US" sz="2400">
                 <a:latin typeface="Montserrat"/>
                 <a:ea typeface="Montserrat"/>
                 <a:cs typeface="Montserrat"/>
@@ -13165,7 +12902,7 @@
               </a:rPr>
               <a:t>Berapa jumlah produksi mobil untuk setiap jenisnya</a:t>
             </a:r>
-            <a:endParaRPr>
+            <a:endParaRPr sz="2400">
               <a:latin typeface="Montserrat"/>
               <a:ea typeface="Montserrat"/>
               <a:cs typeface="Montserrat"/>
@@ -13173,19 +12910,84 @@
             </a:endParaRPr>
           </a:p>
           <a:p>
-            <a:pPr indent="-342900" lvl="0" marL="457200" rtl="0" algn="l">
-              <a:spcBef>
-                <a:spcPts val="0"/>
-              </a:spcBef>
-              <a:spcAft>
-                <a:spcPts val="0"/>
-              </a:spcAft>
-              <a:buSzPts val="1800"/>
+            <a:pPr indent="-381000" lvl="0" marL="457200" rtl="0" algn="l">
+              <a:lnSpc>
+                <a:spcPct val="115000"/>
+              </a:lnSpc>
+              <a:spcBef>
+                <a:spcPts val="0"/>
+              </a:spcBef>
+              <a:spcAft>
+                <a:spcPts val="0"/>
+              </a:spcAft>
+              <a:buSzPts val="2400"/>
               <a:buFont typeface="Montserrat"/>
               <a:buChar char="•"/>
             </a:pPr>
             <a:r>
-              <a:rPr lang="en-US">
+              <a:rPr lang="en-US" sz="2400">
+                <a:latin typeface="Montserrat"/>
+                <a:ea typeface="Montserrat"/>
+                <a:cs typeface="Montserrat"/>
+                <a:sym typeface="Montserrat"/>
+              </a:rPr>
+              <a:t>Marketshare toyota saat ini 30%, sedangkan tujuan toyota sebesar 31%</a:t>
+            </a:r>
+            <a:endParaRPr sz="2400">
+              <a:latin typeface="Montserrat"/>
+              <a:ea typeface="Montserrat"/>
+              <a:cs typeface="Montserrat"/>
+              <a:sym typeface="Montserrat"/>
+            </a:endParaRPr>
+          </a:p>
+          <a:p>
+            <a:pPr indent="-381000" lvl="0" marL="457200" rtl="0" algn="l">
+              <a:lnSpc>
+                <a:spcPct val="115000"/>
+              </a:lnSpc>
+              <a:spcBef>
+                <a:spcPts val="0"/>
+              </a:spcBef>
+              <a:spcAft>
+                <a:spcPts val="0"/>
+              </a:spcAft>
+              <a:buSzPts val="2400"/>
+              <a:buFont typeface="Montserrat"/>
+              <a:buChar char="•"/>
+            </a:pPr>
+            <a:r>
+              <a:rPr lang="en-US" sz="2400">
+                <a:latin typeface="Montserrat"/>
+                <a:ea typeface="Montserrat"/>
+                <a:cs typeface="Montserrat"/>
+                <a:sym typeface="Montserrat"/>
+              </a:rPr>
+              <a:t>Daya saing semakin meningkat</a:t>
+            </a:r>
+            <a:endParaRPr sz="2400">
+              <a:latin typeface="Montserrat"/>
+              <a:ea typeface="Montserrat"/>
+              <a:cs typeface="Montserrat"/>
+              <a:sym typeface="Montserrat"/>
+            </a:endParaRPr>
+          </a:p>
+          <a:p>
+            <a:pPr indent="-381000" lvl="0" marL="457200" rtl="0" algn="l">
+              <a:lnSpc>
+                <a:spcPct val="115000"/>
+              </a:lnSpc>
+              <a:spcBef>
+                <a:spcPts val="0"/>
+              </a:spcBef>
+              <a:spcAft>
+                <a:spcPts val="0"/>
+              </a:spcAft>
+              <a:buSzPts val="2400"/>
+              <a:buFont typeface="Montserrat"/>
+              <a:buChar char="•"/>
+            </a:pPr>
+            <a:r>
+              <a:rPr lang="en-US" sz="2400">
                 <a:latin typeface="Montserrat"/>
                 <a:ea typeface="Montserrat"/>
                 <a:cs typeface="Montserrat"/>
@@ -13193,7 +12995,38 @@
               </a:rPr>
               <a:t>Bagaimana langkah marketing untuk mobil jenis jenis tertentu</a:t>
             </a:r>
-            <a:endParaRPr>
+            <a:endParaRPr sz="2400">
+              <a:latin typeface="Montserrat"/>
+              <a:ea typeface="Montserrat"/>
+              <a:cs typeface="Montserrat"/>
+              <a:sym typeface="Montserrat"/>
+            </a:endParaRPr>
+          </a:p>
+          <a:p>
+            <a:pPr indent="-381000" lvl="0" marL="457200" rtl="0" algn="l">
+              <a:lnSpc>
+                <a:spcPct val="115000"/>
+              </a:lnSpc>
+              <a:spcBef>
+                <a:spcPts val="0"/>
+              </a:spcBef>
+              <a:spcAft>
+                <a:spcPts val="0"/>
+              </a:spcAft>
+              <a:buSzPts val="2400"/>
+              <a:buFont typeface="Montserrat"/>
+              <a:buChar char="•"/>
+            </a:pPr>
+            <a:r>
+              <a:rPr lang="en-US" sz="2400">
+                <a:latin typeface="Montserrat"/>
+                <a:ea typeface="Montserrat"/>
+                <a:cs typeface="Montserrat"/>
+                <a:sym typeface="Montserrat"/>
+              </a:rPr>
+              <a:t>Strategi produksi dan pemasaran selanjutnya</a:t>
+            </a:r>
+            <a:endParaRPr sz="2400">
               <a:latin typeface="Montserrat"/>
               <a:ea typeface="Montserrat"/>
               <a:cs typeface="Montserrat"/>
@@ -13526,7 +13359,7 @@
             <a:tbl>
               <a:tblPr bandRow="1" firstCol="1" firstRow="1">
                 <a:noFill/>
-                <a:tableStyleId>{559A00B5-D1BE-42D5-AF0D-62D3CB946164}</a:tableStyleId>
+                <a:tableStyleId>{3553E12A-7FD7-4235-A39A-CBAC1ED15A05}</a:tableStyleId>
               </a:tblPr>
               <a:tblGrid>
                 <a:gridCol w="1777875"/>
@@ -14312,120 +14145,6 @@
           <a:prstGeom prst="rect">
             <a:avLst/>
           </a:prstGeom>
-        </p:spPr>
-        <p:txBody>
-          <a:bodyPr anchorCtr="0" anchor="ctr" bIns="45700" lIns="91425" spcFirstLastPara="1" rIns="91425" wrap="square" tIns="45700">
-            <a:noAutofit/>
-          </a:bodyPr>
-          <a:lstStyle/>
-          <a:p>
-            <a:pPr indent="0" lvl="0" marL="0" rtl="0" algn="ctr">
-              <a:spcBef>
-                <a:spcPts val="0"/>
-              </a:spcBef>
-              <a:spcAft>
-                <a:spcPts val="0"/>
-              </a:spcAft>
-              <a:buNone/>
-            </a:pPr>
-            <a:r>
-              <a:rPr lang="en-US">
-                <a:latin typeface="Montserrat Black"/>
-                <a:ea typeface="Montserrat Black"/>
-                <a:cs typeface="Montserrat Black"/>
-                <a:sym typeface="Montserrat Black"/>
-              </a:rPr>
-              <a:t>Cost Baseline</a:t>
-            </a:r>
-            <a:endParaRPr>
-              <a:latin typeface="Montserrat Black"/>
-              <a:ea typeface="Montserrat Black"/>
-              <a:cs typeface="Montserrat Black"/>
-              <a:sym typeface="Montserrat Black"/>
-            </a:endParaRPr>
-          </a:p>
-        </p:txBody>
-      </p:sp>
-      <p:sp>
-        <p:nvSpPr>
-          <p:cNvPr id="119" name="Google Shape;119;p18"/>
-          <p:cNvSpPr txBox="1"/>
-          <p:nvPr>
-            <p:ph idx="1" type="body"/>
-          </p:nvPr>
-        </p:nvSpPr>
-        <p:spPr>
-          <a:xfrm>
-            <a:off x="457200" y="1600200"/>
-            <a:ext cx="8229600" cy="4526100"/>
-          </a:xfrm>
-          <a:prstGeom prst="rect">
-            <a:avLst/>
-          </a:prstGeom>
-        </p:spPr>
-        <p:txBody>
-          <a:bodyPr anchorCtr="0" anchor="t" bIns="45700" lIns="91425" spcFirstLastPara="1" rIns="91425" wrap="square" tIns="45700">
-            <a:noAutofit/>
-          </a:bodyPr>
-          <a:lstStyle/>
-          <a:p>
-            <a:pPr indent="0" lvl="0" marL="0" rtl="0" algn="l">
-              <a:spcBef>
-                <a:spcPts val="360"/>
-              </a:spcBef>
-              <a:spcAft>
-                <a:spcPts val="0"/>
-              </a:spcAft>
-              <a:buNone/>
-            </a:pPr>
-            <a:r>
-              <a:t/>
-            </a:r>
-            <a:endParaRPr/>
-          </a:p>
-        </p:txBody>
-      </p:sp>
-    </p:spTree>
-  </p:cSld>
-  <p:clrMapOvr>
-    <a:masterClrMapping/>
-  </p:clrMapOvr>
-</p:sld>
-</file>
-
-<file path=ppt/slides/slide7.xml><?xml version="1.0" encoding="utf-8"?>
-<p:sld xmlns:a="http://schemas.openxmlformats.org/drawingml/2006/main" xmlns:r="http://schemas.openxmlformats.org/officeDocument/2006/relationships" xmlns:mc="http://schemas.openxmlformats.org/markup-compatibility/2006" xmlns:mv="urn:schemas-microsoft-com:mac:vml" xmlns:p="http://schemas.openxmlformats.org/presentationml/2006/main" xmlns:c="http://schemas.openxmlformats.org/drawingml/2006/chart" xmlns:dgm="http://schemas.openxmlformats.org/drawingml/2006/diagram" xmlns:o="urn:schemas-microsoft-com:office:office" xmlns:v="urn:schemas-microsoft-com:vml" xmlns:pvml="urn:schemas-microsoft-com:office:powerpoint" xmlns:com="http://schemas.openxmlformats.org/drawingml/2006/compatibility" xmlns:p14="http://schemas.microsoft.com/office/powerpoint/2010/main" xmlns:p15="http://schemas.microsoft.com/office/powerpoint/2012/main">
-  <p:cSld>
-    <p:spTree>
-      <p:nvGrpSpPr>
-        <p:cNvPr id="123" name="Shape 123"/>
-        <p:cNvGrpSpPr/>
-        <p:nvPr/>
-      </p:nvGrpSpPr>
-      <p:grpSpPr>
-        <a:xfrm>
-          <a:off x="0" y="0"/>
-          <a:ext cx="0" cy="0"/>
-          <a:chOff x="0" y="0"/>
-          <a:chExt cx="0" cy="0"/>
-        </a:xfrm>
-      </p:grpSpPr>
-      <p:sp>
-        <p:nvSpPr>
-          <p:cNvPr id="124" name="Google Shape;124;p19"/>
-          <p:cNvSpPr txBox="1"/>
-          <p:nvPr>
-            <p:ph type="title"/>
-          </p:nvPr>
-        </p:nvSpPr>
-        <p:spPr>
-          <a:xfrm>
-            <a:off x="457200" y="274638"/>
-            <a:ext cx="8229600" cy="1143000"/>
-          </a:xfrm>
-          <a:prstGeom prst="rect">
-            <a:avLst/>
-          </a:prstGeom>
           <a:noFill/>
           <a:ln>
             <a:noFill/>
@@ -14471,7 +14190,7 @@
       </p:sp>
       <p:sp>
         <p:nvSpPr>
-          <p:cNvPr id="125" name="Google Shape;125;p19"/>
+          <p:cNvPr id="119" name="Google Shape;119;p18"/>
           <p:cNvSpPr txBox="1"/>
           <p:nvPr>
             <p:ph idx="1" type="body"/>
@@ -14924,7 +14643,7 @@
       </p:sp>
       <p:sp>
         <p:nvSpPr>
-          <p:cNvPr id="126" name="Google Shape;126;p19"/>
+          <p:cNvPr id="120" name="Google Shape;120;p18"/>
           <p:cNvSpPr txBox="1"/>
           <p:nvPr>
             <p:ph idx="2" type="body"/>
@@ -15453,6 +15172,549 @@
 </p:sld>
 </file>
 
+<file path=ppt/slides/slide7.xml><?xml version="1.0" encoding="utf-8"?>
+<p:sld xmlns:a="http://schemas.openxmlformats.org/drawingml/2006/main" xmlns:r="http://schemas.openxmlformats.org/officeDocument/2006/relationships" xmlns:mc="http://schemas.openxmlformats.org/markup-compatibility/2006" xmlns:mv="urn:schemas-microsoft-com:mac:vml" xmlns:p="http://schemas.openxmlformats.org/presentationml/2006/main" xmlns:c="http://schemas.openxmlformats.org/drawingml/2006/chart" xmlns:dgm="http://schemas.openxmlformats.org/drawingml/2006/diagram" xmlns:o="urn:schemas-microsoft-com:office:office" xmlns:v="urn:schemas-microsoft-com:vml" xmlns:pvml="urn:schemas-microsoft-com:office:powerpoint" xmlns:com="http://schemas.openxmlformats.org/drawingml/2006/compatibility" xmlns:p14="http://schemas.microsoft.com/office/powerpoint/2010/main" xmlns:p15="http://schemas.microsoft.com/office/powerpoint/2012/main">
+  <p:cSld>
+    <p:spTree>
+      <p:nvGrpSpPr>
+        <p:cNvPr id="124" name="Shape 124"/>
+        <p:cNvGrpSpPr/>
+        <p:nvPr/>
+      </p:nvGrpSpPr>
+      <p:grpSpPr>
+        <a:xfrm>
+          <a:off x="0" y="0"/>
+          <a:ext cx="0" cy="0"/>
+          <a:chOff x="0" y="0"/>
+          <a:chExt cx="0" cy="0"/>
+        </a:xfrm>
+      </p:grpSpPr>
+      <p:sp>
+        <p:nvSpPr>
+          <p:cNvPr id="125" name="Google Shape;125;p19"/>
+          <p:cNvSpPr txBox="1"/>
+          <p:nvPr>
+            <p:ph type="title"/>
+          </p:nvPr>
+        </p:nvSpPr>
+        <p:spPr>
+          <a:xfrm>
+            <a:off x="457200" y="274638"/>
+            <a:ext cx="8229600" cy="1143000"/>
+          </a:xfrm>
+          <a:prstGeom prst="rect">
+            <a:avLst/>
+          </a:prstGeom>
+          <a:noFill/>
+          <a:ln>
+            <a:noFill/>
+          </a:ln>
+        </p:spPr>
+        <p:txBody>
+          <a:bodyPr anchorCtr="0" anchor="ctr" bIns="45700" lIns="91425" spcFirstLastPara="1" rIns="91425" wrap="square" tIns="45700">
+            <a:noAutofit/>
+          </a:bodyPr>
+          <a:lstStyle/>
+          <a:p>
+            <a:pPr indent="0" lvl="0" marL="0" rtl="0" algn="ctr">
+              <a:spcBef>
+                <a:spcPts val="0"/>
+              </a:spcBef>
+              <a:spcAft>
+                <a:spcPts val="0"/>
+              </a:spcAft>
+              <a:buClr>
+                <a:schemeClr val="dk1"/>
+              </a:buClr>
+              <a:buSzPts val="4400"/>
+              <a:buFont typeface="Calibri"/>
+              <a:buNone/>
+            </a:pPr>
+            <a:r>
+              <a:rPr lang="en-US">
+                <a:latin typeface="Montserrat Black"/>
+                <a:ea typeface="Montserrat Black"/>
+                <a:cs typeface="Montserrat Black"/>
+                <a:sym typeface="Montserrat Black"/>
+              </a:rPr>
+              <a:t>Data Understanding</a:t>
+            </a:r>
+            <a:endParaRPr>
+              <a:latin typeface="Montserrat Black"/>
+              <a:ea typeface="Montserrat Black"/>
+              <a:cs typeface="Montserrat Black"/>
+              <a:sym typeface="Montserrat Black"/>
+            </a:endParaRPr>
+          </a:p>
+        </p:txBody>
+      </p:sp>
+      <p:sp>
+        <p:nvSpPr>
+          <p:cNvPr id="126" name="Google Shape;126;p19"/>
+          <p:cNvSpPr txBox="1"/>
+          <p:nvPr>
+            <p:ph idx="1" type="body"/>
+          </p:nvPr>
+        </p:nvSpPr>
+        <p:spPr>
+          <a:xfrm>
+            <a:off x="457200" y="1600200"/>
+            <a:ext cx="4038600" cy="4525963"/>
+          </a:xfrm>
+          <a:prstGeom prst="rect">
+            <a:avLst/>
+          </a:prstGeom>
+          <a:noFill/>
+          <a:ln>
+            <a:noFill/>
+          </a:ln>
+        </p:spPr>
+        <p:txBody>
+          <a:bodyPr anchorCtr="0" anchor="t" bIns="45700" lIns="91425" spcFirstLastPara="1" rIns="91425" wrap="square" tIns="45700">
+            <a:noAutofit/>
+          </a:bodyPr>
+          <a:lstStyle/>
+          <a:p>
+            <a:pPr indent="-342900" lvl="0" marL="342900" rtl="0" algn="l">
+              <a:lnSpc>
+                <a:spcPct val="90000"/>
+              </a:lnSpc>
+              <a:spcBef>
+                <a:spcPts val="0"/>
+              </a:spcBef>
+              <a:spcAft>
+                <a:spcPts val="0"/>
+              </a:spcAft>
+              <a:buClr>
+                <a:schemeClr val="dk1"/>
+              </a:buClr>
+              <a:buSzPts val="2800"/>
+              <a:buNone/>
+            </a:pPr>
+            <a:r>
+              <a:rPr b="1" lang="en-US">
+                <a:latin typeface="Montserrat"/>
+                <a:ea typeface="Montserrat"/>
+                <a:cs typeface="Montserrat"/>
+                <a:sym typeface="Montserrat"/>
+              </a:rPr>
+              <a:t>Variabel </a:t>
+            </a:r>
+            <a:r>
+              <a:rPr lang="en-US">
+                <a:latin typeface="Montserrat"/>
+                <a:ea typeface="Montserrat"/>
+                <a:cs typeface="Montserrat"/>
+                <a:sym typeface="Montserrat"/>
+              </a:rPr>
+              <a:t>:</a:t>
+            </a:r>
+            <a:endParaRPr>
+              <a:latin typeface="Montserrat"/>
+              <a:ea typeface="Montserrat"/>
+              <a:cs typeface="Montserrat"/>
+              <a:sym typeface="Montserrat"/>
+            </a:endParaRPr>
+          </a:p>
+          <a:p>
+            <a:pPr indent="-342900" lvl="0" marL="342900" rtl="0" algn="l">
+              <a:lnSpc>
+                <a:spcPct val="90000"/>
+              </a:lnSpc>
+              <a:spcBef>
+                <a:spcPts val="560"/>
+              </a:spcBef>
+              <a:spcAft>
+                <a:spcPts val="0"/>
+              </a:spcAft>
+              <a:buClr>
+                <a:schemeClr val="dk1"/>
+              </a:buClr>
+              <a:buSzPts val="2800"/>
+              <a:buFont typeface="Montserrat"/>
+              <a:buChar char="•"/>
+            </a:pPr>
+            <a:r>
+              <a:rPr lang="en-US">
+                <a:latin typeface="Montserrat"/>
+                <a:ea typeface="Montserrat"/>
+                <a:cs typeface="Montserrat"/>
+                <a:sym typeface="Montserrat"/>
+              </a:rPr>
+              <a:t>Vehicle Type</a:t>
+            </a:r>
+            <a:endParaRPr>
+              <a:latin typeface="Montserrat"/>
+              <a:ea typeface="Montserrat"/>
+              <a:cs typeface="Montserrat"/>
+              <a:sym typeface="Montserrat"/>
+            </a:endParaRPr>
+          </a:p>
+          <a:p>
+            <a:pPr indent="-342900" lvl="0" marL="342900" rtl="0" algn="l">
+              <a:lnSpc>
+                <a:spcPct val="90000"/>
+              </a:lnSpc>
+              <a:spcBef>
+                <a:spcPts val="560"/>
+              </a:spcBef>
+              <a:spcAft>
+                <a:spcPts val="0"/>
+              </a:spcAft>
+              <a:buClr>
+                <a:schemeClr val="dk1"/>
+              </a:buClr>
+              <a:buSzPts val="2800"/>
+              <a:buFont typeface="Montserrat"/>
+              <a:buChar char="•"/>
+            </a:pPr>
+            <a:r>
+              <a:rPr lang="en-US">
+                <a:latin typeface="Montserrat"/>
+                <a:ea typeface="Montserrat"/>
+                <a:cs typeface="Montserrat"/>
+                <a:sym typeface="Montserrat"/>
+              </a:rPr>
+              <a:t>Customer Names</a:t>
+            </a:r>
+            <a:endParaRPr>
+              <a:latin typeface="Montserrat"/>
+              <a:ea typeface="Montserrat"/>
+              <a:cs typeface="Montserrat"/>
+              <a:sym typeface="Montserrat"/>
+            </a:endParaRPr>
+          </a:p>
+          <a:p>
+            <a:pPr indent="-342900" lvl="0" marL="342900" rtl="0" algn="l">
+              <a:lnSpc>
+                <a:spcPct val="90000"/>
+              </a:lnSpc>
+              <a:spcBef>
+                <a:spcPts val="560"/>
+              </a:spcBef>
+              <a:spcAft>
+                <a:spcPts val="0"/>
+              </a:spcAft>
+              <a:buClr>
+                <a:schemeClr val="dk1"/>
+              </a:buClr>
+              <a:buSzPts val="2800"/>
+              <a:buFont typeface="Montserrat"/>
+              <a:buChar char="•"/>
+            </a:pPr>
+            <a:r>
+              <a:rPr lang="en-US">
+                <a:latin typeface="Montserrat"/>
+                <a:ea typeface="Montserrat"/>
+                <a:cs typeface="Montserrat"/>
+                <a:sym typeface="Montserrat"/>
+              </a:rPr>
+              <a:t>Customer Salary</a:t>
+            </a:r>
+            <a:endParaRPr>
+              <a:latin typeface="Montserrat"/>
+              <a:ea typeface="Montserrat"/>
+              <a:cs typeface="Montserrat"/>
+              <a:sym typeface="Montserrat"/>
+            </a:endParaRPr>
+          </a:p>
+          <a:p>
+            <a:pPr indent="-342900" lvl="0" marL="342900" rtl="0" algn="l">
+              <a:lnSpc>
+                <a:spcPct val="90000"/>
+              </a:lnSpc>
+              <a:spcBef>
+                <a:spcPts val="560"/>
+              </a:spcBef>
+              <a:spcAft>
+                <a:spcPts val="0"/>
+              </a:spcAft>
+              <a:buClr>
+                <a:schemeClr val="dk1"/>
+              </a:buClr>
+              <a:buSzPts val="2800"/>
+              <a:buFont typeface="Montserrat"/>
+              <a:buChar char="•"/>
+            </a:pPr>
+            <a:r>
+              <a:rPr lang="en-US">
+                <a:latin typeface="Montserrat"/>
+                <a:ea typeface="Montserrat"/>
+                <a:cs typeface="Montserrat"/>
+                <a:sym typeface="Montserrat"/>
+              </a:rPr>
+              <a:t>Payment Method</a:t>
+            </a:r>
+            <a:endParaRPr>
+              <a:latin typeface="Montserrat"/>
+              <a:ea typeface="Montserrat"/>
+              <a:cs typeface="Montserrat"/>
+              <a:sym typeface="Montserrat"/>
+            </a:endParaRPr>
+          </a:p>
+          <a:p>
+            <a:pPr indent="-342900" lvl="0" marL="342900" rtl="0" algn="l">
+              <a:lnSpc>
+                <a:spcPct val="90000"/>
+              </a:lnSpc>
+              <a:spcBef>
+                <a:spcPts val="560"/>
+              </a:spcBef>
+              <a:spcAft>
+                <a:spcPts val="0"/>
+              </a:spcAft>
+              <a:buClr>
+                <a:schemeClr val="dk1"/>
+              </a:buClr>
+              <a:buSzPts val="2800"/>
+              <a:buFont typeface="Montserrat"/>
+              <a:buChar char="•"/>
+            </a:pPr>
+            <a:r>
+              <a:rPr lang="en-US">
+                <a:latin typeface="Montserrat"/>
+                <a:ea typeface="Montserrat"/>
+                <a:cs typeface="Montserrat"/>
+                <a:sym typeface="Montserrat"/>
+              </a:rPr>
+              <a:t>Customer Jobs</a:t>
+            </a:r>
+            <a:endParaRPr>
+              <a:latin typeface="Montserrat"/>
+              <a:ea typeface="Montserrat"/>
+              <a:cs typeface="Montserrat"/>
+              <a:sym typeface="Montserrat"/>
+            </a:endParaRPr>
+          </a:p>
+          <a:p>
+            <a:pPr indent="-342900" lvl="0" marL="342900" rtl="0" algn="l">
+              <a:lnSpc>
+                <a:spcPct val="90000"/>
+              </a:lnSpc>
+              <a:spcBef>
+                <a:spcPts val="560"/>
+              </a:spcBef>
+              <a:spcAft>
+                <a:spcPts val="0"/>
+              </a:spcAft>
+              <a:buClr>
+                <a:schemeClr val="dk1"/>
+              </a:buClr>
+              <a:buSzPts val="2800"/>
+              <a:buFont typeface="Montserrat"/>
+              <a:buChar char="•"/>
+            </a:pPr>
+            <a:r>
+              <a:rPr lang="en-US">
+                <a:latin typeface="Montserrat"/>
+                <a:ea typeface="Montserrat"/>
+                <a:cs typeface="Montserrat"/>
+                <a:sym typeface="Montserrat"/>
+              </a:rPr>
+              <a:t>Year Resale</a:t>
+            </a:r>
+            <a:endParaRPr>
+              <a:latin typeface="Montserrat"/>
+              <a:ea typeface="Montserrat"/>
+              <a:cs typeface="Montserrat"/>
+              <a:sym typeface="Montserrat"/>
+            </a:endParaRPr>
+          </a:p>
+          <a:p>
+            <a:pPr indent="-342900" lvl="0" marL="342900" rtl="0" algn="l">
+              <a:lnSpc>
+                <a:spcPct val="90000"/>
+              </a:lnSpc>
+              <a:spcBef>
+                <a:spcPts val="560"/>
+              </a:spcBef>
+              <a:spcAft>
+                <a:spcPts val="0"/>
+              </a:spcAft>
+              <a:buClr>
+                <a:schemeClr val="dk1"/>
+              </a:buClr>
+              <a:buSzPts val="2800"/>
+              <a:buFont typeface="Montserrat"/>
+              <a:buChar char="•"/>
+            </a:pPr>
+            <a:r>
+              <a:rPr lang="en-US">
+                <a:latin typeface="Montserrat"/>
+                <a:ea typeface="Montserrat"/>
+                <a:cs typeface="Montserrat"/>
+                <a:sym typeface="Montserrat"/>
+              </a:rPr>
+              <a:t>Sales</a:t>
+            </a:r>
+            <a:endParaRPr>
+              <a:latin typeface="Montserrat"/>
+              <a:ea typeface="Montserrat"/>
+              <a:cs typeface="Montserrat"/>
+              <a:sym typeface="Montserrat"/>
+            </a:endParaRPr>
+          </a:p>
+          <a:p>
+            <a:pPr indent="-342900" lvl="0" marL="342900" rtl="0" algn="l">
+              <a:lnSpc>
+                <a:spcPct val="90000"/>
+              </a:lnSpc>
+              <a:spcBef>
+                <a:spcPts val="560"/>
+              </a:spcBef>
+              <a:spcAft>
+                <a:spcPts val="0"/>
+              </a:spcAft>
+              <a:buSzPts val="2800"/>
+              <a:buFont typeface="Montserrat"/>
+              <a:buChar char="•"/>
+            </a:pPr>
+            <a:r>
+              <a:rPr lang="en-US">
+                <a:latin typeface="Montserrat"/>
+                <a:ea typeface="Montserrat"/>
+                <a:cs typeface="Montserrat"/>
+                <a:sym typeface="Montserrat"/>
+              </a:rPr>
+              <a:t>Production Unit</a:t>
+            </a:r>
+            <a:endParaRPr>
+              <a:latin typeface="Montserrat"/>
+              <a:ea typeface="Montserrat"/>
+              <a:cs typeface="Montserrat"/>
+              <a:sym typeface="Montserrat"/>
+            </a:endParaRPr>
+          </a:p>
+          <a:p>
+            <a:pPr indent="-342900" lvl="0" marL="342900" rtl="0" algn="l">
+              <a:lnSpc>
+                <a:spcPct val="90000"/>
+              </a:lnSpc>
+              <a:spcBef>
+                <a:spcPts val="560"/>
+              </a:spcBef>
+              <a:spcAft>
+                <a:spcPts val="0"/>
+              </a:spcAft>
+              <a:buClr>
+                <a:schemeClr val="dk1"/>
+              </a:buClr>
+              <a:buSzPts val="2800"/>
+              <a:buNone/>
+            </a:pPr>
+            <a:r>
+              <a:rPr lang="en-US">
+                <a:latin typeface="Montserrat"/>
+                <a:ea typeface="Montserrat"/>
+                <a:cs typeface="Montserrat"/>
+                <a:sym typeface="Montserrat"/>
+              </a:rPr>
+              <a:t>	</a:t>
+            </a:r>
+            <a:endParaRPr>
+              <a:latin typeface="Montserrat"/>
+              <a:ea typeface="Montserrat"/>
+              <a:cs typeface="Montserrat"/>
+              <a:sym typeface="Montserrat"/>
+            </a:endParaRPr>
+          </a:p>
+          <a:p>
+            <a:pPr indent="-342900" lvl="0" marL="342900" rtl="0" algn="l">
+              <a:lnSpc>
+                <a:spcPct val="90000"/>
+              </a:lnSpc>
+              <a:spcBef>
+                <a:spcPts val="560"/>
+              </a:spcBef>
+              <a:spcAft>
+                <a:spcPts val="0"/>
+              </a:spcAft>
+              <a:buClr>
+                <a:schemeClr val="dk1"/>
+              </a:buClr>
+              <a:buSzPts val="2800"/>
+              <a:buNone/>
+            </a:pPr>
+            <a:r>
+              <a:rPr lang="en-US">
+                <a:latin typeface="Montserrat"/>
+                <a:ea typeface="Montserrat"/>
+                <a:cs typeface="Montserrat"/>
+                <a:sym typeface="Montserrat"/>
+              </a:rPr>
+              <a:t>	</a:t>
+            </a:r>
+            <a:endParaRPr>
+              <a:latin typeface="Montserrat"/>
+              <a:ea typeface="Montserrat"/>
+              <a:cs typeface="Montserrat"/>
+              <a:sym typeface="Montserrat"/>
+            </a:endParaRPr>
+          </a:p>
+          <a:p>
+            <a:pPr indent="-342900" lvl="0" marL="342900" rtl="0" algn="l">
+              <a:lnSpc>
+                <a:spcPct val="90000"/>
+              </a:lnSpc>
+              <a:spcBef>
+                <a:spcPts val="560"/>
+              </a:spcBef>
+              <a:spcAft>
+                <a:spcPts val="0"/>
+              </a:spcAft>
+              <a:buClr>
+                <a:schemeClr val="dk1"/>
+              </a:buClr>
+              <a:buSzPts val="2800"/>
+              <a:buNone/>
+            </a:pPr>
+            <a:r>
+              <a:t/>
+            </a:r>
+            <a:endParaRPr>
+              <a:latin typeface="Montserrat"/>
+              <a:ea typeface="Montserrat"/>
+              <a:cs typeface="Montserrat"/>
+              <a:sym typeface="Montserrat"/>
+            </a:endParaRPr>
+          </a:p>
+          <a:p>
+            <a:pPr indent="-342900" lvl="0" marL="342900" rtl="0" algn="l">
+              <a:lnSpc>
+                <a:spcPct val="90000"/>
+              </a:lnSpc>
+              <a:spcBef>
+                <a:spcPts val="560"/>
+              </a:spcBef>
+              <a:spcAft>
+                <a:spcPts val="0"/>
+              </a:spcAft>
+              <a:buClr>
+                <a:schemeClr val="dk1"/>
+              </a:buClr>
+              <a:buSzPts val="2800"/>
+              <a:buNone/>
+            </a:pPr>
+            <a:r>
+              <a:t/>
+            </a:r>
+            <a:endParaRPr>
+              <a:latin typeface="Montserrat"/>
+              <a:ea typeface="Montserrat"/>
+              <a:cs typeface="Montserrat"/>
+              <a:sym typeface="Montserrat"/>
+            </a:endParaRPr>
+          </a:p>
+        </p:txBody>
+      </p:sp>
+    </p:spTree>
+  </p:cSld>
+  <p:clrMapOvr>
+    <a:masterClrMapping/>
+  </p:clrMapOvr>
+</p:sld>
+</file>
+
 <file path=ppt/slides/slide8.xml><?xml version="1.0" encoding="utf-8"?>
 <p:sld xmlns:a="http://schemas.openxmlformats.org/drawingml/2006/main" xmlns:r="http://schemas.openxmlformats.org/officeDocument/2006/relationships" xmlns:mc="http://schemas.openxmlformats.org/markup-compatibility/2006" xmlns:mv="urn:schemas-microsoft-com:mac:vml" xmlns:p="http://schemas.openxmlformats.org/presentationml/2006/main" xmlns:c="http://schemas.openxmlformats.org/drawingml/2006/chart" xmlns:dgm="http://schemas.openxmlformats.org/drawingml/2006/diagram" xmlns:o="urn:schemas-microsoft-com:office:office" xmlns:v="urn:schemas-microsoft-com:vml" xmlns:pvml="urn:schemas-microsoft-com:office:powerpoint" xmlns:com="http://schemas.openxmlformats.org/drawingml/2006/compatibility" xmlns:p14="http://schemas.microsoft.com/office/powerpoint/2010/main" xmlns:p15="http://schemas.microsoft.com/office/powerpoint/2012/main">
   <p:cSld>
@@ -15518,540 +15780,6 @@
                 <a:cs typeface="Montserrat Black"/>
                 <a:sym typeface="Montserrat Black"/>
               </a:rPr>
-              <a:t>Data Understanding</a:t>
-            </a:r>
-            <a:endParaRPr>
-              <a:latin typeface="Montserrat Black"/>
-              <a:ea typeface="Montserrat Black"/>
-              <a:cs typeface="Montserrat Black"/>
-              <a:sym typeface="Montserrat Black"/>
-            </a:endParaRPr>
-          </a:p>
-        </p:txBody>
-      </p:sp>
-      <p:sp>
-        <p:nvSpPr>
-          <p:cNvPr id="132" name="Google Shape;132;p20"/>
-          <p:cNvSpPr txBox="1"/>
-          <p:nvPr>
-            <p:ph idx="1" type="body"/>
-          </p:nvPr>
-        </p:nvSpPr>
-        <p:spPr>
-          <a:xfrm>
-            <a:off x="457200" y="1600200"/>
-            <a:ext cx="4038600" cy="4525963"/>
-          </a:xfrm>
-          <a:prstGeom prst="rect">
-            <a:avLst/>
-          </a:prstGeom>
-          <a:noFill/>
-          <a:ln>
-            <a:noFill/>
-          </a:ln>
-        </p:spPr>
-        <p:txBody>
-          <a:bodyPr anchorCtr="0" anchor="t" bIns="45700" lIns="91425" spcFirstLastPara="1" rIns="91425" wrap="square" tIns="45700">
-            <a:noAutofit/>
-          </a:bodyPr>
-          <a:lstStyle/>
-          <a:p>
-            <a:pPr indent="-342900" lvl="0" marL="342900" rtl="0" algn="l">
-              <a:lnSpc>
-                <a:spcPct val="90000"/>
-              </a:lnSpc>
-              <a:spcBef>
-                <a:spcPts val="0"/>
-              </a:spcBef>
-              <a:spcAft>
-                <a:spcPts val="0"/>
-              </a:spcAft>
-              <a:buClr>
-                <a:schemeClr val="dk1"/>
-              </a:buClr>
-              <a:buSzPts val="2800"/>
-              <a:buNone/>
-            </a:pPr>
-            <a:r>
-              <a:rPr lang="en-US">
-                <a:latin typeface="Montserrat"/>
-                <a:ea typeface="Montserrat"/>
-                <a:cs typeface="Montserrat"/>
-                <a:sym typeface="Montserrat"/>
-              </a:rPr>
-              <a:t>Variabel :</a:t>
-            </a:r>
-            <a:endParaRPr>
-              <a:latin typeface="Montserrat"/>
-              <a:ea typeface="Montserrat"/>
-              <a:cs typeface="Montserrat"/>
-              <a:sym typeface="Montserrat"/>
-            </a:endParaRPr>
-          </a:p>
-          <a:p>
-            <a:pPr indent="-342900" lvl="0" marL="342900" rtl="0" algn="l">
-              <a:lnSpc>
-                <a:spcPct val="90000"/>
-              </a:lnSpc>
-              <a:spcBef>
-                <a:spcPts val="560"/>
-              </a:spcBef>
-              <a:spcAft>
-                <a:spcPts val="0"/>
-              </a:spcAft>
-              <a:buClr>
-                <a:schemeClr val="dk1"/>
-              </a:buClr>
-              <a:buSzPts val="2800"/>
-              <a:buFont typeface="Montserrat"/>
-              <a:buChar char="•"/>
-            </a:pPr>
-            <a:r>
-              <a:rPr lang="en-US">
-                <a:latin typeface="Montserrat"/>
-                <a:ea typeface="Montserrat"/>
-                <a:cs typeface="Montserrat"/>
-                <a:sym typeface="Montserrat"/>
-              </a:rPr>
-              <a:t>Vehicle Type</a:t>
-            </a:r>
-            <a:endParaRPr>
-              <a:latin typeface="Montserrat"/>
-              <a:ea typeface="Montserrat"/>
-              <a:cs typeface="Montserrat"/>
-              <a:sym typeface="Montserrat"/>
-            </a:endParaRPr>
-          </a:p>
-          <a:p>
-            <a:pPr indent="-342900" lvl="0" marL="342900" rtl="0" algn="l">
-              <a:lnSpc>
-                <a:spcPct val="90000"/>
-              </a:lnSpc>
-              <a:spcBef>
-                <a:spcPts val="560"/>
-              </a:spcBef>
-              <a:spcAft>
-                <a:spcPts val="0"/>
-              </a:spcAft>
-              <a:buClr>
-                <a:schemeClr val="dk1"/>
-              </a:buClr>
-              <a:buSzPts val="2800"/>
-              <a:buFont typeface="Montserrat"/>
-              <a:buChar char="•"/>
-            </a:pPr>
-            <a:r>
-              <a:rPr lang="en-US">
-                <a:latin typeface="Montserrat"/>
-                <a:ea typeface="Montserrat"/>
-                <a:cs typeface="Montserrat"/>
-                <a:sym typeface="Montserrat"/>
-              </a:rPr>
-              <a:t>Customer Names</a:t>
-            </a:r>
-            <a:endParaRPr>
-              <a:latin typeface="Montserrat"/>
-              <a:ea typeface="Montserrat"/>
-              <a:cs typeface="Montserrat"/>
-              <a:sym typeface="Montserrat"/>
-            </a:endParaRPr>
-          </a:p>
-          <a:p>
-            <a:pPr indent="-342900" lvl="0" marL="342900" rtl="0" algn="l">
-              <a:lnSpc>
-                <a:spcPct val="90000"/>
-              </a:lnSpc>
-              <a:spcBef>
-                <a:spcPts val="560"/>
-              </a:spcBef>
-              <a:spcAft>
-                <a:spcPts val="0"/>
-              </a:spcAft>
-              <a:buClr>
-                <a:schemeClr val="dk1"/>
-              </a:buClr>
-              <a:buSzPts val="2800"/>
-              <a:buFont typeface="Montserrat"/>
-              <a:buChar char="•"/>
-            </a:pPr>
-            <a:r>
-              <a:rPr lang="en-US">
-                <a:latin typeface="Montserrat"/>
-                <a:ea typeface="Montserrat"/>
-                <a:cs typeface="Montserrat"/>
-                <a:sym typeface="Montserrat"/>
-              </a:rPr>
-              <a:t>Customer Salary</a:t>
-            </a:r>
-            <a:endParaRPr>
-              <a:latin typeface="Montserrat"/>
-              <a:ea typeface="Montserrat"/>
-              <a:cs typeface="Montserrat"/>
-              <a:sym typeface="Montserrat"/>
-            </a:endParaRPr>
-          </a:p>
-          <a:p>
-            <a:pPr indent="-342900" lvl="0" marL="342900" rtl="0" algn="l">
-              <a:lnSpc>
-                <a:spcPct val="90000"/>
-              </a:lnSpc>
-              <a:spcBef>
-                <a:spcPts val="560"/>
-              </a:spcBef>
-              <a:spcAft>
-                <a:spcPts val="0"/>
-              </a:spcAft>
-              <a:buClr>
-                <a:schemeClr val="dk1"/>
-              </a:buClr>
-              <a:buSzPts val="2800"/>
-              <a:buFont typeface="Montserrat"/>
-              <a:buChar char="•"/>
-            </a:pPr>
-            <a:r>
-              <a:rPr lang="en-US">
-                <a:latin typeface="Montserrat"/>
-                <a:ea typeface="Montserrat"/>
-                <a:cs typeface="Montserrat"/>
-                <a:sym typeface="Montserrat"/>
-              </a:rPr>
-              <a:t>Payment Method</a:t>
-            </a:r>
-            <a:endParaRPr>
-              <a:latin typeface="Montserrat"/>
-              <a:ea typeface="Montserrat"/>
-              <a:cs typeface="Montserrat"/>
-              <a:sym typeface="Montserrat"/>
-            </a:endParaRPr>
-          </a:p>
-          <a:p>
-            <a:pPr indent="-342900" lvl="0" marL="342900" rtl="0" algn="l">
-              <a:lnSpc>
-                <a:spcPct val="90000"/>
-              </a:lnSpc>
-              <a:spcBef>
-                <a:spcPts val="560"/>
-              </a:spcBef>
-              <a:spcAft>
-                <a:spcPts val="0"/>
-              </a:spcAft>
-              <a:buClr>
-                <a:schemeClr val="dk1"/>
-              </a:buClr>
-              <a:buSzPts val="2800"/>
-              <a:buFont typeface="Montserrat"/>
-              <a:buChar char="•"/>
-            </a:pPr>
-            <a:r>
-              <a:rPr lang="en-US">
-                <a:latin typeface="Montserrat"/>
-                <a:ea typeface="Montserrat"/>
-                <a:cs typeface="Montserrat"/>
-                <a:sym typeface="Montserrat"/>
-              </a:rPr>
-              <a:t>Customer Jobs</a:t>
-            </a:r>
-            <a:endParaRPr>
-              <a:latin typeface="Montserrat"/>
-              <a:ea typeface="Montserrat"/>
-              <a:cs typeface="Montserrat"/>
-              <a:sym typeface="Montserrat"/>
-            </a:endParaRPr>
-          </a:p>
-          <a:p>
-            <a:pPr indent="-342900" lvl="0" marL="342900" rtl="0" algn="l">
-              <a:lnSpc>
-                <a:spcPct val="90000"/>
-              </a:lnSpc>
-              <a:spcBef>
-                <a:spcPts val="560"/>
-              </a:spcBef>
-              <a:spcAft>
-                <a:spcPts val="0"/>
-              </a:spcAft>
-              <a:buClr>
-                <a:schemeClr val="dk1"/>
-              </a:buClr>
-              <a:buSzPts val="2800"/>
-              <a:buFont typeface="Montserrat"/>
-              <a:buChar char="•"/>
-            </a:pPr>
-            <a:r>
-              <a:rPr lang="en-US">
-                <a:latin typeface="Montserrat"/>
-                <a:ea typeface="Montserrat"/>
-                <a:cs typeface="Montserrat"/>
-                <a:sym typeface="Montserrat"/>
-              </a:rPr>
-              <a:t>Year Resale</a:t>
-            </a:r>
-            <a:endParaRPr>
-              <a:latin typeface="Montserrat"/>
-              <a:ea typeface="Montserrat"/>
-              <a:cs typeface="Montserrat"/>
-              <a:sym typeface="Montserrat"/>
-            </a:endParaRPr>
-          </a:p>
-          <a:p>
-            <a:pPr indent="-342900" lvl="0" marL="342900" rtl="0" algn="l">
-              <a:lnSpc>
-                <a:spcPct val="90000"/>
-              </a:lnSpc>
-              <a:spcBef>
-                <a:spcPts val="560"/>
-              </a:spcBef>
-              <a:spcAft>
-                <a:spcPts val="0"/>
-              </a:spcAft>
-              <a:buClr>
-                <a:schemeClr val="dk1"/>
-              </a:buClr>
-              <a:buSzPts val="2800"/>
-              <a:buFont typeface="Montserrat"/>
-              <a:buChar char="•"/>
-            </a:pPr>
-            <a:r>
-              <a:rPr lang="en-US">
-                <a:latin typeface="Montserrat"/>
-                <a:ea typeface="Montserrat"/>
-                <a:cs typeface="Montserrat"/>
-                <a:sym typeface="Montserrat"/>
-              </a:rPr>
-              <a:t>Sales</a:t>
-            </a:r>
-            <a:endParaRPr>
-              <a:latin typeface="Montserrat"/>
-              <a:ea typeface="Montserrat"/>
-              <a:cs typeface="Montserrat"/>
-              <a:sym typeface="Montserrat"/>
-            </a:endParaRPr>
-          </a:p>
-          <a:p>
-            <a:pPr indent="-342900" lvl="0" marL="342900" rtl="0" algn="l">
-              <a:lnSpc>
-                <a:spcPct val="90000"/>
-              </a:lnSpc>
-              <a:spcBef>
-                <a:spcPts val="560"/>
-              </a:spcBef>
-              <a:spcAft>
-                <a:spcPts val="0"/>
-              </a:spcAft>
-              <a:buSzPts val="2800"/>
-              <a:buFont typeface="Montserrat"/>
-              <a:buChar char="•"/>
-            </a:pPr>
-            <a:r>
-              <a:rPr lang="en-US">
-                <a:latin typeface="Montserrat"/>
-                <a:ea typeface="Montserrat"/>
-                <a:cs typeface="Montserrat"/>
-                <a:sym typeface="Montserrat"/>
-              </a:rPr>
-              <a:t>Production Unit</a:t>
-            </a:r>
-            <a:endParaRPr>
-              <a:latin typeface="Montserrat"/>
-              <a:ea typeface="Montserrat"/>
-              <a:cs typeface="Montserrat"/>
-              <a:sym typeface="Montserrat"/>
-            </a:endParaRPr>
-          </a:p>
-          <a:p>
-            <a:pPr indent="-342900" lvl="0" marL="342900" rtl="0" algn="l">
-              <a:lnSpc>
-                <a:spcPct val="90000"/>
-              </a:lnSpc>
-              <a:spcBef>
-                <a:spcPts val="560"/>
-              </a:spcBef>
-              <a:spcAft>
-                <a:spcPts val="0"/>
-              </a:spcAft>
-              <a:buClr>
-                <a:schemeClr val="dk1"/>
-              </a:buClr>
-              <a:buSzPts val="2800"/>
-              <a:buNone/>
-            </a:pPr>
-            <a:r>
-              <a:rPr lang="en-US">
-                <a:latin typeface="Montserrat"/>
-                <a:ea typeface="Montserrat"/>
-                <a:cs typeface="Montserrat"/>
-                <a:sym typeface="Montserrat"/>
-              </a:rPr>
-              <a:t>	</a:t>
-            </a:r>
-            <a:endParaRPr>
-              <a:latin typeface="Montserrat"/>
-              <a:ea typeface="Montserrat"/>
-              <a:cs typeface="Montserrat"/>
-              <a:sym typeface="Montserrat"/>
-            </a:endParaRPr>
-          </a:p>
-          <a:p>
-            <a:pPr indent="-342900" lvl="0" marL="342900" rtl="0" algn="l">
-              <a:lnSpc>
-                <a:spcPct val="90000"/>
-              </a:lnSpc>
-              <a:spcBef>
-                <a:spcPts val="560"/>
-              </a:spcBef>
-              <a:spcAft>
-                <a:spcPts val="0"/>
-              </a:spcAft>
-              <a:buClr>
-                <a:schemeClr val="dk1"/>
-              </a:buClr>
-              <a:buSzPts val="2800"/>
-              <a:buNone/>
-            </a:pPr>
-            <a:r>
-              <a:rPr lang="en-US">
-                <a:latin typeface="Montserrat"/>
-                <a:ea typeface="Montserrat"/>
-                <a:cs typeface="Montserrat"/>
-                <a:sym typeface="Montserrat"/>
-              </a:rPr>
-              <a:t>	</a:t>
-            </a:r>
-            <a:endParaRPr>
-              <a:latin typeface="Montserrat"/>
-              <a:ea typeface="Montserrat"/>
-              <a:cs typeface="Montserrat"/>
-              <a:sym typeface="Montserrat"/>
-            </a:endParaRPr>
-          </a:p>
-          <a:p>
-            <a:pPr indent="-342900" lvl="0" marL="342900" rtl="0" algn="l">
-              <a:lnSpc>
-                <a:spcPct val="90000"/>
-              </a:lnSpc>
-              <a:spcBef>
-                <a:spcPts val="560"/>
-              </a:spcBef>
-              <a:spcAft>
-                <a:spcPts val="0"/>
-              </a:spcAft>
-              <a:buClr>
-                <a:schemeClr val="dk1"/>
-              </a:buClr>
-              <a:buSzPts val="2800"/>
-              <a:buNone/>
-            </a:pPr>
-            <a:r>
-              <a:t/>
-            </a:r>
-            <a:endParaRPr>
-              <a:latin typeface="Montserrat"/>
-              <a:ea typeface="Montserrat"/>
-              <a:cs typeface="Montserrat"/>
-              <a:sym typeface="Montserrat"/>
-            </a:endParaRPr>
-          </a:p>
-          <a:p>
-            <a:pPr indent="-342900" lvl="0" marL="342900" rtl="0" algn="l">
-              <a:lnSpc>
-                <a:spcPct val="90000"/>
-              </a:lnSpc>
-              <a:spcBef>
-                <a:spcPts val="560"/>
-              </a:spcBef>
-              <a:spcAft>
-                <a:spcPts val="0"/>
-              </a:spcAft>
-              <a:buClr>
-                <a:schemeClr val="dk1"/>
-              </a:buClr>
-              <a:buSzPts val="2800"/>
-              <a:buNone/>
-            </a:pPr>
-            <a:r>
-              <a:t/>
-            </a:r>
-            <a:endParaRPr>
-              <a:latin typeface="Montserrat"/>
-              <a:ea typeface="Montserrat"/>
-              <a:cs typeface="Montserrat"/>
-              <a:sym typeface="Montserrat"/>
-            </a:endParaRPr>
-          </a:p>
-        </p:txBody>
-      </p:sp>
-    </p:spTree>
-  </p:cSld>
-  <p:clrMapOvr>
-    <a:masterClrMapping/>
-  </p:clrMapOvr>
-</p:sld>
-</file>
-
-<file path=ppt/slides/slide9.xml><?xml version="1.0" encoding="utf-8"?>
-<p:sld xmlns:a="http://schemas.openxmlformats.org/drawingml/2006/main" xmlns:r="http://schemas.openxmlformats.org/officeDocument/2006/relationships" xmlns:mc="http://schemas.openxmlformats.org/markup-compatibility/2006" xmlns:mv="urn:schemas-microsoft-com:mac:vml" xmlns:p="http://schemas.openxmlformats.org/presentationml/2006/main" xmlns:c="http://schemas.openxmlformats.org/drawingml/2006/chart" xmlns:dgm="http://schemas.openxmlformats.org/drawingml/2006/diagram" xmlns:o="urn:schemas-microsoft-com:office:office" xmlns:v="urn:schemas-microsoft-com:vml" xmlns:pvml="urn:schemas-microsoft-com:office:powerpoint" xmlns:com="http://schemas.openxmlformats.org/drawingml/2006/compatibility" xmlns:p14="http://schemas.microsoft.com/office/powerpoint/2010/main" xmlns:p15="http://schemas.microsoft.com/office/powerpoint/2012/main">
-  <p:cSld>
-    <p:spTree>
-      <p:nvGrpSpPr>
-        <p:cNvPr id="136" name="Shape 136"/>
-        <p:cNvGrpSpPr/>
-        <p:nvPr/>
-      </p:nvGrpSpPr>
-      <p:grpSpPr>
-        <a:xfrm>
-          <a:off x="0" y="0"/>
-          <a:ext cx="0" cy="0"/>
-          <a:chOff x="0" y="0"/>
-          <a:chExt cx="0" cy="0"/>
-        </a:xfrm>
-      </p:grpSpPr>
-      <p:sp>
-        <p:nvSpPr>
-          <p:cNvPr id="137" name="Google Shape;137;p21"/>
-          <p:cNvSpPr txBox="1"/>
-          <p:nvPr>
-            <p:ph type="title"/>
-          </p:nvPr>
-        </p:nvSpPr>
-        <p:spPr>
-          <a:xfrm>
-            <a:off x="457200" y="274638"/>
-            <a:ext cx="8229600" cy="1143000"/>
-          </a:xfrm>
-          <a:prstGeom prst="rect">
-            <a:avLst/>
-          </a:prstGeom>
-          <a:noFill/>
-          <a:ln>
-            <a:noFill/>
-          </a:ln>
-        </p:spPr>
-        <p:txBody>
-          <a:bodyPr anchorCtr="0" anchor="ctr" bIns="45700" lIns="91425" spcFirstLastPara="1" rIns="91425" wrap="square" tIns="45700">
-            <a:noAutofit/>
-          </a:bodyPr>
-          <a:lstStyle/>
-          <a:p>
-            <a:pPr indent="0" lvl="0" marL="0" rtl="0" algn="ctr">
-              <a:spcBef>
-                <a:spcPts val="0"/>
-              </a:spcBef>
-              <a:spcAft>
-                <a:spcPts val="0"/>
-              </a:spcAft>
-              <a:buClr>
-                <a:schemeClr val="dk1"/>
-              </a:buClr>
-              <a:buSzPts val="4400"/>
-              <a:buFont typeface="Calibri"/>
-              <a:buNone/>
-            </a:pPr>
-            <a:r>
-              <a:rPr lang="en-US">
-                <a:latin typeface="Montserrat Black"/>
-                <a:ea typeface="Montserrat Black"/>
-                <a:cs typeface="Montserrat Black"/>
-                <a:sym typeface="Montserrat Black"/>
-              </a:rPr>
               <a:t>Data Preparation</a:t>
             </a:r>
             <a:endParaRPr>
@@ -16065,7 +15793,7 @@
       </p:sp>
       <p:graphicFrame>
         <p:nvGraphicFramePr>
-          <p:cNvPr id="138" name="Google Shape;138;p21"/>
+          <p:cNvPr id="132" name="Google Shape;132;p20"/>
           <p:cNvGraphicFramePr/>
           <p:nvPr/>
         </p:nvGraphicFramePr>
@@ -16078,7 +15806,7 @@
             <a:tbl>
               <a:tblPr bandRow="1" firstRow="1">
                 <a:noFill/>
-                <a:tableStyleId>{1584FC57-AFFA-455E-A3EE-122BB089F5C0}</a:tableStyleId>
+                <a:tableStyleId>{DA30611E-198A-4EB1-A3CF-B5C143C9D0D9}</a:tableStyleId>
               </a:tblPr>
               <a:tblGrid>
                 <a:gridCol w="2715750"/>
@@ -16587,7 +16315,7 @@
       </p:graphicFrame>
       <p:sp>
         <p:nvSpPr>
-          <p:cNvPr id="139" name="Google Shape;139;p21"/>
+          <p:cNvPr id="133" name="Google Shape;133;p20"/>
           <p:cNvSpPr/>
           <p:nvPr/>
         </p:nvSpPr>
@@ -16644,6 +16372,172 @@
           </a:p>
         </p:txBody>
       </p:sp>
+    </p:spTree>
+  </p:cSld>
+  <p:clrMapOvr>
+    <a:masterClrMapping/>
+  </p:clrMapOvr>
+</p:sld>
+</file>
+
+<file path=ppt/slides/slide9.xml><?xml version="1.0" encoding="utf-8"?>
+<p:sld xmlns:a="http://schemas.openxmlformats.org/drawingml/2006/main" xmlns:r="http://schemas.openxmlformats.org/officeDocument/2006/relationships" xmlns:mc="http://schemas.openxmlformats.org/markup-compatibility/2006" xmlns:mv="urn:schemas-microsoft-com:mac:vml" xmlns:p="http://schemas.openxmlformats.org/presentationml/2006/main" xmlns:c="http://schemas.openxmlformats.org/drawingml/2006/chart" xmlns:dgm="http://schemas.openxmlformats.org/drawingml/2006/diagram" xmlns:o="urn:schemas-microsoft-com:office:office" xmlns:v="urn:schemas-microsoft-com:vml" xmlns:pvml="urn:schemas-microsoft-com:office:powerpoint" xmlns:com="http://schemas.openxmlformats.org/drawingml/2006/compatibility" xmlns:p14="http://schemas.microsoft.com/office/powerpoint/2010/main" xmlns:p15="http://schemas.microsoft.com/office/powerpoint/2012/main">
+  <p:cSld>
+    <p:spTree>
+      <p:nvGrpSpPr>
+        <p:cNvPr id="137" name="Shape 137"/>
+        <p:cNvGrpSpPr/>
+        <p:nvPr/>
+      </p:nvGrpSpPr>
+      <p:grpSpPr>
+        <a:xfrm>
+          <a:off x="0" y="0"/>
+          <a:ext cx="0" cy="0"/>
+          <a:chOff x="0" y="0"/>
+          <a:chExt cx="0" cy="0"/>
+        </a:xfrm>
+      </p:grpSpPr>
+      <p:sp>
+        <p:nvSpPr>
+          <p:cNvPr id="138" name="Google Shape;138;p21"/>
+          <p:cNvSpPr txBox="1"/>
+          <p:nvPr>
+            <p:ph type="title"/>
+          </p:nvPr>
+        </p:nvSpPr>
+        <p:spPr>
+          <a:xfrm>
+            <a:off x="457200" y="274638"/>
+            <a:ext cx="8229600" cy="1143000"/>
+          </a:xfrm>
+          <a:prstGeom prst="rect">
+            <a:avLst/>
+          </a:prstGeom>
+          <a:noFill/>
+          <a:ln>
+            <a:noFill/>
+          </a:ln>
+        </p:spPr>
+        <p:txBody>
+          <a:bodyPr anchorCtr="0" anchor="ctr" bIns="45700" lIns="91425" spcFirstLastPara="1" rIns="91425" wrap="square" tIns="45700">
+            <a:noAutofit/>
+          </a:bodyPr>
+          <a:lstStyle/>
+          <a:p>
+            <a:pPr indent="0" lvl="0" marL="0" rtl="0" algn="ctr">
+              <a:spcBef>
+                <a:spcPts val="0"/>
+              </a:spcBef>
+              <a:spcAft>
+                <a:spcPts val="0"/>
+              </a:spcAft>
+              <a:buClr>
+                <a:schemeClr val="dk1"/>
+              </a:buClr>
+              <a:buSzPts val="4400"/>
+              <a:buFont typeface="Calibri"/>
+              <a:buNone/>
+            </a:pPr>
+            <a:r>
+              <a:rPr lang="en-US">
+                <a:latin typeface="Montserrat Black"/>
+                <a:ea typeface="Montserrat Black"/>
+                <a:cs typeface="Montserrat Black"/>
+                <a:sym typeface="Montserrat Black"/>
+              </a:rPr>
+              <a:t>Model</a:t>
+            </a:r>
+            <a:endParaRPr>
+              <a:latin typeface="Montserrat Black"/>
+              <a:ea typeface="Montserrat Black"/>
+              <a:cs typeface="Montserrat Black"/>
+              <a:sym typeface="Montserrat Black"/>
+            </a:endParaRPr>
+          </a:p>
+        </p:txBody>
+      </p:sp>
+      <p:sp>
+        <p:nvSpPr>
+          <p:cNvPr id="139" name="Google Shape;139;p21"/>
+          <p:cNvSpPr txBox="1"/>
+          <p:nvPr>
+            <p:ph idx="1" type="body"/>
+          </p:nvPr>
+        </p:nvSpPr>
+        <p:spPr>
+          <a:xfrm>
+            <a:off x="457200" y="1600200"/>
+            <a:ext cx="8229600" cy="4525963"/>
+          </a:xfrm>
+          <a:prstGeom prst="rect">
+            <a:avLst/>
+          </a:prstGeom>
+          <a:noFill/>
+          <a:ln>
+            <a:noFill/>
+          </a:ln>
+        </p:spPr>
+        <p:txBody>
+          <a:bodyPr anchorCtr="0" anchor="t" bIns="45700" lIns="91425" spcFirstLastPara="1" rIns="91425" wrap="square" tIns="45700">
+            <a:noAutofit/>
+          </a:bodyPr>
+          <a:lstStyle/>
+          <a:p>
+            <a:pPr indent="0" lvl="0" marL="342900" rtl="0" algn="l">
+              <a:spcBef>
+                <a:spcPts val="0"/>
+              </a:spcBef>
+              <a:spcAft>
+                <a:spcPts val="0"/>
+              </a:spcAft>
+              <a:buNone/>
+            </a:pPr>
+            <a:r>
+              <a:rPr lang="en-US" sz="2400">
+                <a:latin typeface="Montserrat"/>
+                <a:ea typeface="Montserrat"/>
+                <a:cs typeface="Montserrat"/>
+                <a:sym typeface="Montserrat"/>
+              </a:rPr>
+              <a:t>Unsupervised 🡪 Clustering Customer</a:t>
+            </a:r>
+            <a:endParaRPr sz="2400">
+              <a:latin typeface="Montserrat"/>
+              <a:ea typeface="Montserrat"/>
+              <a:cs typeface="Montserrat"/>
+              <a:sym typeface="Montserrat"/>
+            </a:endParaRPr>
+          </a:p>
+        </p:txBody>
+      </p:sp>
+      <p:pic>
+        <p:nvPicPr>
+          <p:cNvPr id="140" name="Google Shape;140;p21"/>
+          <p:cNvPicPr preferRelativeResize="0"/>
+          <p:nvPr/>
+        </p:nvPicPr>
+        <p:blipFill>
+          <a:blip r:embed="rId3">
+            <a:alphaModFix/>
+          </a:blip>
+          <a:stretch>
+            <a:fillRect/>
+          </a:stretch>
+        </p:blipFill>
+        <p:spPr>
+          <a:xfrm>
+            <a:off x="1539363" y="2227150"/>
+            <a:ext cx="6065265" cy="4525975"/>
+          </a:xfrm>
+          <a:prstGeom prst="rect">
+            <a:avLst/>
+          </a:prstGeom>
+          <a:noFill/>
+          <a:ln>
+            <a:noFill/>
+          </a:ln>
+        </p:spPr>
+      </p:pic>
     </p:spTree>
   </p:cSld>
   <p:clrMapOvr>
